--- a/slides/slides.pptx
+++ b/slides/slides.pptx
@@ -124,7 +124,7 @@
 <file path=ppt/revisionInfo.xml><?xml version="1.0" encoding="utf-8"?>
 <p1510:revInfo xmlns:a="http://schemas.openxmlformats.org/drawingml/2006/main" xmlns:r="http://schemas.openxmlformats.org/officeDocument/2006/relationships" xmlns:p1510="http://schemas.microsoft.com/office/powerpoint/2015/10/main">
   <p1510:revLst>
-    <p1510:client id="{E61605A1-C29F-4A6B-8EEC-C71306133664}" v="119" dt="2024-10-28T12:36:26.650"/>
+    <p1510:client id="{E61605A1-C29F-4A6B-8EEC-C71306133664}" v="124" dt="2024-10-28T15:57:45.866"/>
     <p1510:client id="{F641F177-3029-46B2-B892-BC9CACEFDA58}" v="168" dt="2024-10-27T16:42:36.472"/>
   </p1510:revLst>
 </p1510:revInfo>
@@ -135,18 +135,18 @@
   <pc:docChgLst>
     <pc:chgData name="Alessandro Varaldi" userId="8bb48bf9c967e633" providerId="LiveId" clId="{E61605A1-C29F-4A6B-8EEC-C71306133664}"/>
     <pc:docChg chg="undo custSel addSld delSld modSld sldOrd">
-      <pc:chgData name="Alessandro Varaldi" userId="8bb48bf9c967e633" providerId="LiveId" clId="{E61605A1-C29F-4A6B-8EEC-C71306133664}" dt="2024-10-28T12:50:14.918" v="1921" actId="478"/>
+      <pc:chgData name="Alessandro Varaldi" userId="8bb48bf9c967e633" providerId="LiveId" clId="{E61605A1-C29F-4A6B-8EEC-C71306133664}" dt="2024-10-28T16:00:43.945" v="2253" actId="1076"/>
       <pc:docMkLst>
         <pc:docMk/>
       </pc:docMkLst>
-      <pc:sldChg chg="modSp">
-        <pc:chgData name="Alessandro Varaldi" userId="8bb48bf9c967e633" providerId="LiveId" clId="{E61605A1-C29F-4A6B-8EEC-C71306133664}" dt="2024-10-28T12:15:20.453" v="1173"/>
+      <pc:sldChg chg="modSp mod">
+        <pc:chgData name="Alessandro Varaldi" userId="8bb48bf9c967e633" providerId="LiveId" clId="{E61605A1-C29F-4A6B-8EEC-C71306133664}" dt="2024-10-28T15:41:15.171" v="2159" actId="20577"/>
         <pc:sldMkLst>
           <pc:docMk/>
           <pc:sldMk cId="2361630292" sldId="256"/>
         </pc:sldMkLst>
         <pc:spChg chg="mod">
-          <ac:chgData name="Alessandro Varaldi" userId="8bb48bf9c967e633" providerId="LiveId" clId="{E61605A1-C29F-4A6B-8EEC-C71306133664}" dt="2024-10-28T12:15:20.453" v="1173"/>
+          <ac:chgData name="Alessandro Varaldi" userId="8bb48bf9c967e633" providerId="LiveId" clId="{E61605A1-C29F-4A6B-8EEC-C71306133664}" dt="2024-10-28T15:41:07.297" v="2135" actId="20577"/>
           <ac:spMkLst>
             <pc:docMk/>
             <pc:sldMk cId="2361630292" sldId="256"/>
@@ -154,7 +154,7 @@
           </ac:spMkLst>
         </pc:spChg>
         <pc:spChg chg="mod">
-          <ac:chgData name="Alessandro Varaldi" userId="8bb48bf9c967e633" providerId="LiveId" clId="{E61605A1-C29F-4A6B-8EEC-C71306133664}" dt="2024-10-28T12:15:20.453" v="1173"/>
+          <ac:chgData name="Alessandro Varaldi" userId="8bb48bf9c967e633" providerId="LiveId" clId="{E61605A1-C29F-4A6B-8EEC-C71306133664}" dt="2024-10-28T15:41:15.171" v="2159" actId="20577"/>
           <ac:spMkLst>
             <pc:docMk/>
             <pc:sldMk cId="2361630292" sldId="256"/>
@@ -545,7 +545,7 @@
         </pc:picChg>
       </pc:sldChg>
       <pc:sldChg chg="addSp delSp modSp mod ord">
-        <pc:chgData name="Alessandro Varaldi" userId="8bb48bf9c967e633" providerId="LiveId" clId="{E61605A1-C29F-4A6B-8EEC-C71306133664}" dt="2024-10-28T12:20:15.246" v="1281" actId="1076"/>
+        <pc:chgData name="Alessandro Varaldi" userId="8bb48bf9c967e633" providerId="LiveId" clId="{E61605A1-C29F-4A6B-8EEC-C71306133664}" dt="2024-10-28T14:49:39.511" v="1993" actId="1076"/>
         <pc:sldMkLst>
           <pc:docMk/>
           <pc:sldMk cId="1762796468" sldId="259"/>
@@ -567,7 +567,7 @@
           </ac:spMkLst>
         </pc:spChg>
         <pc:spChg chg="add mod">
-          <ac:chgData name="Alessandro Varaldi" userId="8bb48bf9c967e633" providerId="LiveId" clId="{E61605A1-C29F-4A6B-8EEC-C71306133664}" dt="2024-10-28T12:20:15.246" v="1281" actId="1076"/>
+          <ac:chgData name="Alessandro Varaldi" userId="8bb48bf9c967e633" providerId="LiveId" clId="{E61605A1-C29F-4A6B-8EEC-C71306133664}" dt="2024-10-28T14:49:39.511" v="1993" actId="1076"/>
           <ac:spMkLst>
             <pc:docMk/>
             <pc:sldMk cId="1762796468" sldId="259"/>
@@ -588,6 +588,22 @@
             <pc:docMk/>
             <pc:sldMk cId="1762796468" sldId="259"/>
             <ac:spMk id="8" creationId="{1143F1AB-FFAA-AE33-9C9F-7CA6EC45F441}"/>
+          </ac:spMkLst>
+        </pc:spChg>
+        <pc:spChg chg="add del mod">
+          <ac:chgData name="Alessandro Varaldi" userId="8bb48bf9c967e633" providerId="LiveId" clId="{E61605A1-C29F-4A6B-8EEC-C71306133664}" dt="2024-10-28T14:49:32.207" v="1991" actId="478"/>
+          <ac:spMkLst>
+            <pc:docMk/>
+            <pc:sldMk cId="1762796468" sldId="259"/>
+            <ac:spMk id="8" creationId="{4AA68177-83AE-F62E-C0BC-22AC0D30F14A}"/>
+          </ac:spMkLst>
+        </pc:spChg>
+        <pc:spChg chg="add del mod">
+          <ac:chgData name="Alessandro Varaldi" userId="8bb48bf9c967e633" providerId="LiveId" clId="{E61605A1-C29F-4A6B-8EEC-C71306133664}" dt="2024-10-28T14:49:33.042" v="1992" actId="478"/>
+          <ac:spMkLst>
+            <pc:docMk/>
+            <pc:sldMk cId="1762796468" sldId="259"/>
+            <ac:spMk id="10" creationId="{90F0EE06-1A34-5BBD-BC4A-CC13AE46A6D4}"/>
           </ac:spMkLst>
         </pc:spChg>
         <pc:spChg chg="add mod">
@@ -615,15 +631,31 @@
           </ac:graphicFrameMkLst>
         </pc:graphicFrameChg>
         <pc:picChg chg="add mod">
-          <ac:chgData name="Alessandro Varaldi" userId="8bb48bf9c967e633" providerId="LiveId" clId="{E61605A1-C29F-4A6B-8EEC-C71306133664}" dt="2024-10-28T12:20:11.574" v="1280" actId="1076"/>
+          <ac:chgData name="Alessandro Varaldi" userId="8bb48bf9c967e633" providerId="LiveId" clId="{E61605A1-C29F-4A6B-8EEC-C71306133664}" dt="2024-10-28T14:49:24.298" v="1988" actId="571"/>
+          <ac:picMkLst>
+            <pc:docMk/>
+            <pc:sldMk cId="1762796468" sldId="259"/>
+            <ac:picMk id="4" creationId="{31B5AEB2-F832-0E8F-9B27-A63A72617E8A}"/>
+          </ac:picMkLst>
+        </pc:picChg>
+        <pc:picChg chg="add mod">
+          <ac:chgData name="Alessandro Varaldi" userId="8bb48bf9c967e633" providerId="LiveId" clId="{E61605A1-C29F-4A6B-8EEC-C71306133664}" dt="2024-10-28T14:49:24.298" v="1988" actId="571"/>
+          <ac:picMkLst>
+            <pc:docMk/>
+            <pc:sldMk cId="1762796468" sldId="259"/>
+            <ac:picMk id="5" creationId="{8A2069C9-A2B3-8E49-2973-1EFF4FCEA580}"/>
+          </ac:picMkLst>
+        </pc:picChg>
+        <pc:picChg chg="add del mod">
+          <ac:chgData name="Alessandro Varaldi" userId="8bb48bf9c967e633" providerId="LiveId" clId="{E61605A1-C29F-4A6B-8EEC-C71306133664}" dt="2024-10-28T14:49:27.491" v="1989" actId="478"/>
           <ac:picMkLst>
             <pc:docMk/>
             <pc:sldMk cId="1762796468" sldId="259"/>
             <ac:picMk id="7" creationId="{8B6E6969-9AC5-EB49-ECA3-E334D5C7D075}"/>
           </ac:picMkLst>
         </pc:picChg>
-        <pc:picChg chg="add mod">
-          <ac:chgData name="Alessandro Varaldi" userId="8bb48bf9c967e633" providerId="LiveId" clId="{E61605A1-C29F-4A6B-8EEC-C71306133664}" dt="2024-10-28T12:19:41.888" v="1270" actId="1076"/>
+        <pc:picChg chg="add del mod">
+          <ac:chgData name="Alessandro Varaldi" userId="8bb48bf9c967e633" providerId="LiveId" clId="{E61605A1-C29F-4A6B-8EEC-C71306133664}" dt="2024-10-28T14:49:28.890" v="1990" actId="478"/>
           <ac:picMkLst>
             <pc:docMk/>
             <pc:sldMk cId="1762796468" sldId="259"/>
@@ -631,8 +663,8 @@
           </ac:picMkLst>
         </pc:picChg>
       </pc:sldChg>
-      <pc:sldChg chg="addSp modSp mod">
-        <pc:chgData name="Alessandro Varaldi" userId="8bb48bf9c967e633" providerId="LiveId" clId="{E61605A1-C29F-4A6B-8EEC-C71306133664}" dt="2024-10-28T12:19:22.434" v="1265" actId="255"/>
+      <pc:sldChg chg="addSp delSp modSp mod">
+        <pc:chgData name="Alessandro Varaldi" userId="8bb48bf9c967e633" providerId="LiveId" clId="{E61605A1-C29F-4A6B-8EEC-C71306133664}" dt="2024-10-28T15:57:55.386" v="2241" actId="1076"/>
         <pc:sldMkLst>
           <pc:docMk/>
           <pc:sldMk cId="4073443131" sldId="260"/>
@@ -654,30 +686,46 @@
           </ac:spMkLst>
         </pc:spChg>
         <pc:spChg chg="add mod">
-          <ac:chgData name="Alessandro Varaldi" userId="8bb48bf9c967e633" providerId="LiveId" clId="{E61605A1-C29F-4A6B-8EEC-C71306133664}" dt="2024-10-28T12:18:16.388" v="1206" actId="1076"/>
+          <ac:chgData name="Alessandro Varaldi" userId="8bb48bf9c967e633" providerId="LiveId" clId="{E61605A1-C29F-4A6B-8EEC-C71306133664}" dt="2024-10-28T15:57:55.386" v="2241" actId="1076"/>
           <ac:spMkLst>
             <pc:docMk/>
             <pc:sldMk cId="4073443131" sldId="260"/>
             <ac:spMk id="4" creationId="{1C828D1F-3B5B-4252-441E-379910CCF396}"/>
           </ac:spMkLst>
         </pc:spChg>
-        <pc:picChg chg="mod">
-          <ac:chgData name="Alessandro Varaldi" userId="8bb48bf9c967e633" providerId="LiveId" clId="{E61605A1-C29F-4A6B-8EEC-C71306133664}" dt="2024-10-28T09:45:00.640" v="888" actId="1076"/>
+        <pc:spChg chg="add del mod">
+          <ac:chgData name="Alessandro Varaldi" userId="8bb48bf9c967e633" providerId="LiveId" clId="{E61605A1-C29F-4A6B-8EEC-C71306133664}" dt="2024-10-28T15:57:45.866" v="2237" actId="931"/>
+          <ac:spMkLst>
+            <pc:docMk/>
+            <pc:sldMk cId="4073443131" sldId="260"/>
+            <ac:spMk id="7" creationId="{706874A2-FAEA-C54A-53AA-FF1C55275EB8}"/>
+          </ac:spMkLst>
+        </pc:spChg>
+        <pc:picChg chg="del mod">
+          <ac:chgData name="Alessandro Varaldi" userId="8bb48bf9c967e633" providerId="LiveId" clId="{E61605A1-C29F-4A6B-8EEC-C71306133664}" dt="2024-10-28T15:57:08.696" v="2236" actId="478"/>
           <ac:picMkLst>
             <pc:docMk/>
             <pc:sldMk cId="4073443131" sldId="260"/>
             <ac:picMk id="5" creationId="{A1ECD755-50D6-6CFC-371A-69F806674E7E}"/>
           </ac:picMkLst>
         </pc:picChg>
+        <pc:picChg chg="add mod">
+          <ac:chgData name="Alessandro Varaldi" userId="8bb48bf9c967e633" providerId="LiveId" clId="{E61605A1-C29F-4A6B-8EEC-C71306133664}" dt="2024-10-28T15:57:52.071" v="2240" actId="1076"/>
+          <ac:picMkLst>
+            <pc:docMk/>
+            <pc:sldMk cId="4073443131" sldId="260"/>
+            <ac:picMk id="9" creationId="{1BD3A125-E8CC-563E-7E73-BD234A08ECED}"/>
+          </ac:picMkLst>
+        </pc:picChg>
       </pc:sldChg>
       <pc:sldChg chg="modSp mod">
-        <pc:chgData name="Alessandro Varaldi" userId="8bb48bf9c967e633" providerId="LiveId" clId="{E61605A1-C29F-4A6B-8EEC-C71306133664}" dt="2024-10-28T12:44:29.653" v="1919" actId="20577"/>
+        <pc:chgData name="Alessandro Varaldi" userId="8bb48bf9c967e633" providerId="LiveId" clId="{E61605A1-C29F-4A6B-8EEC-C71306133664}" dt="2024-10-28T14:59:13.807" v="2018" actId="20577"/>
         <pc:sldMkLst>
           <pc:docMk/>
           <pc:sldMk cId="2900248986" sldId="261"/>
         </pc:sldMkLst>
         <pc:spChg chg="mod">
-          <ac:chgData name="Alessandro Varaldi" userId="8bb48bf9c967e633" providerId="LiveId" clId="{E61605A1-C29F-4A6B-8EEC-C71306133664}" dt="2024-10-28T12:15:20.453" v="1173"/>
+          <ac:chgData name="Alessandro Varaldi" userId="8bb48bf9c967e633" providerId="LiveId" clId="{E61605A1-C29F-4A6B-8EEC-C71306133664}" dt="2024-10-28T13:23:26.455" v="1956" actId="20577"/>
           <ac:spMkLst>
             <pc:docMk/>
             <pc:sldMk cId="2900248986" sldId="261"/>
@@ -685,7 +733,7 @@
           </ac:spMkLst>
         </pc:spChg>
         <pc:spChg chg="mod">
-          <ac:chgData name="Alessandro Varaldi" userId="8bb48bf9c967e633" providerId="LiveId" clId="{E61605A1-C29F-4A6B-8EEC-C71306133664}" dt="2024-10-28T12:44:29.653" v="1919" actId="20577"/>
+          <ac:chgData name="Alessandro Varaldi" userId="8bb48bf9c967e633" providerId="LiveId" clId="{E61605A1-C29F-4A6B-8EEC-C71306133664}" dt="2024-10-28T14:59:13.807" v="2018" actId="20577"/>
           <ac:spMkLst>
             <pc:docMk/>
             <pc:sldMk cId="2900248986" sldId="261"/>
@@ -788,7 +836,7 @@
         </pc:picChg>
       </pc:sldChg>
       <pc:sldChg chg="addSp delSp modSp new mod">
-        <pc:chgData name="Alessandro Varaldi" userId="8bb48bf9c967e633" providerId="LiveId" clId="{E61605A1-C29F-4A6B-8EEC-C71306133664}" dt="2024-10-28T12:50:14.918" v="1921" actId="478"/>
+        <pc:chgData name="Alessandro Varaldi" userId="8bb48bf9c967e633" providerId="LiveId" clId="{E61605A1-C29F-4A6B-8EEC-C71306133664}" dt="2024-10-28T16:00:43.945" v="2253" actId="1076"/>
         <pc:sldMkLst>
           <pc:docMk/>
           <pc:sldMk cId="624252441" sldId="263"/>
@@ -802,7 +850,7 @@
           </ac:spMkLst>
         </pc:spChg>
         <pc:spChg chg="add mod">
-          <ac:chgData name="Alessandro Varaldi" userId="8bb48bf9c967e633" providerId="LiveId" clId="{E61605A1-C29F-4A6B-8EEC-C71306133664}" dt="2024-10-28T12:21:23.087" v="1302" actId="1076"/>
+          <ac:chgData name="Alessandro Varaldi" userId="8bb48bf9c967e633" providerId="LiveId" clId="{E61605A1-C29F-4A6B-8EEC-C71306133664}" dt="2024-10-28T16:00:43.945" v="2253" actId="1076"/>
           <ac:spMkLst>
             <pc:docMk/>
             <pc:sldMk cId="624252441" sldId="263"/>
@@ -825,16 +873,16 @@
             <ac:spMk id="4" creationId="{F57F0CB5-3CF9-1A87-CF1D-E946745879E9}"/>
           </ac:spMkLst>
         </pc:spChg>
-        <pc:spChg chg="add mod">
-          <ac:chgData name="Alessandro Varaldi" userId="8bb48bf9c967e633" providerId="LiveId" clId="{E61605A1-C29F-4A6B-8EEC-C71306133664}" dt="2024-10-28T12:50:13.971" v="1920" actId="478"/>
+        <pc:spChg chg="add del mod">
+          <ac:chgData name="Alessandro Varaldi" userId="8bb48bf9c967e633" providerId="LiveId" clId="{E61605A1-C29F-4A6B-8EEC-C71306133664}" dt="2024-10-28T13:19:17.446" v="1922" actId="931"/>
           <ac:spMkLst>
             <pc:docMk/>
             <pc:sldMk cId="624252441" sldId="263"/>
             <ac:spMk id="5" creationId="{41039301-BCCB-AEA8-CE2F-47F0790E19A2}"/>
           </ac:spMkLst>
         </pc:spChg>
-        <pc:spChg chg="add mod">
-          <ac:chgData name="Alessandro Varaldi" userId="8bb48bf9c967e633" providerId="LiveId" clId="{E61605A1-C29F-4A6B-8EEC-C71306133664}" dt="2024-10-28T12:50:14.918" v="1921" actId="478"/>
+        <pc:spChg chg="add del mod">
+          <ac:chgData name="Alessandro Varaldi" userId="8bb48bf9c967e633" providerId="LiveId" clId="{E61605A1-C29F-4A6B-8EEC-C71306133664}" dt="2024-10-28T13:19:40.417" v="1929" actId="931"/>
           <ac:spMkLst>
             <pc:docMk/>
             <pc:sldMk cId="624252441" sldId="263"/>
@@ -850,7 +898,7 @@
           </ac:spMkLst>
         </pc:spChg>
         <pc:spChg chg="add mod">
-          <ac:chgData name="Alessandro Varaldi" userId="8bb48bf9c967e633" providerId="LiveId" clId="{E61605A1-C29F-4A6B-8EEC-C71306133664}" dt="2024-10-28T12:21:08.648" v="1298" actId="1076"/>
+          <ac:chgData name="Alessandro Varaldi" userId="8bb48bf9c967e633" providerId="LiveId" clId="{E61605A1-C29F-4A6B-8EEC-C71306133664}" dt="2024-10-28T16:00:38.795" v="2252" actId="1076"/>
           <ac:spMkLst>
             <pc:docMk/>
             <pc:sldMk cId="624252441" sldId="263"/>
@@ -858,13 +906,21 @@
           </ac:spMkLst>
         </pc:spChg>
         <pc:spChg chg="add mod">
-          <ac:chgData name="Alessandro Varaldi" userId="8bb48bf9c967e633" providerId="LiveId" clId="{E61605A1-C29F-4A6B-8EEC-C71306133664}" dt="2024-10-28T12:21:15.255" v="1300" actId="1076"/>
+          <ac:chgData name="Alessandro Varaldi" userId="8bb48bf9c967e633" providerId="LiveId" clId="{E61605A1-C29F-4A6B-8EEC-C71306133664}" dt="2024-10-28T16:00:28.692" v="2248" actId="1076"/>
           <ac:spMkLst>
             <pc:docMk/>
             <pc:sldMk cId="624252441" sldId="263"/>
             <ac:spMk id="14" creationId="{74F2B86C-5B74-E4AE-546A-7444D896A7AF}"/>
           </ac:spMkLst>
         </pc:spChg>
+        <pc:picChg chg="add mod">
+          <ac:chgData name="Alessandro Varaldi" userId="8bb48bf9c967e633" providerId="LiveId" clId="{E61605A1-C29F-4A6B-8EEC-C71306133664}" dt="2024-10-28T16:00:33.910" v="2251" actId="1076"/>
+          <ac:picMkLst>
+            <pc:docMk/>
+            <pc:sldMk cId="624252441" sldId="263"/>
+            <ac:picMk id="6" creationId="{90AD5344-58DC-B003-7171-53A1780D5546}"/>
+          </ac:picMkLst>
+        </pc:picChg>
         <pc:picChg chg="add del mod">
           <ac:chgData name="Alessandro Varaldi" userId="8bb48bf9c967e633" providerId="LiveId" clId="{E61605A1-C29F-4A6B-8EEC-C71306133664}" dt="2024-10-28T07:08:53.212" v="282" actId="478"/>
           <ac:picMkLst>
@@ -879,6 +935,14 @@
             <pc:docMk/>
             <pc:sldMk cId="624252441" sldId="263"/>
             <ac:picMk id="8" creationId="{7D6790F4-B8D4-5DFA-9EAC-ED96B1A42F21}"/>
+          </ac:picMkLst>
+        </pc:picChg>
+        <pc:picChg chg="add mod">
+          <ac:chgData name="Alessandro Varaldi" userId="8bb48bf9c967e633" providerId="LiveId" clId="{E61605A1-C29F-4A6B-8EEC-C71306133664}" dt="2024-10-28T13:19:58.896" v="1935" actId="1076"/>
+          <ac:picMkLst>
+            <pc:docMk/>
+            <pc:sldMk cId="624252441" sldId="263"/>
+            <ac:picMk id="9" creationId="{300ED0F2-82F1-DF98-4299-B92172BD243E}"/>
           </ac:picMkLst>
         </pc:picChg>
         <pc:picChg chg="add del mod">
@@ -905,13 +969,13 @@
         </pc:sldMkLst>
       </pc:sldChg>
       <pc:sldChg chg="addSp delSp modSp new mod">
-        <pc:chgData name="Alessandro Varaldi" userId="8bb48bf9c967e633" providerId="LiveId" clId="{E61605A1-C29F-4A6B-8EEC-C71306133664}" dt="2024-10-28T12:15:20.453" v="1173"/>
+        <pc:chgData name="Alessandro Varaldi" userId="8bb48bf9c967e633" providerId="LiveId" clId="{E61605A1-C29F-4A6B-8EEC-C71306133664}" dt="2024-10-28T15:45:39.757" v="2235" actId="20577"/>
         <pc:sldMkLst>
           <pc:docMk/>
           <pc:sldMk cId="3317667217" sldId="264"/>
         </pc:sldMkLst>
         <pc:spChg chg="mod">
-          <ac:chgData name="Alessandro Varaldi" userId="8bb48bf9c967e633" providerId="LiveId" clId="{E61605A1-C29F-4A6B-8EEC-C71306133664}" dt="2024-10-28T12:15:20.453" v="1173"/>
+          <ac:chgData name="Alessandro Varaldi" userId="8bb48bf9c967e633" providerId="LiveId" clId="{E61605A1-C29F-4A6B-8EEC-C71306133664}" dt="2024-10-28T15:45:39.757" v="2235" actId="20577"/>
           <ac:spMkLst>
             <pc:docMk/>
             <pc:sldMk cId="3317667217" sldId="264"/>
@@ -926,6 +990,14 @@
             <ac:spMk id="3" creationId="{AE6D6CD6-51B2-CA5C-028D-46CC16D93C90}"/>
           </ac:spMkLst>
         </pc:spChg>
+        <pc:spChg chg="add del mod">
+          <ac:chgData name="Alessandro Varaldi" userId="8bb48bf9c967e633" providerId="LiveId" clId="{E61605A1-C29F-4A6B-8EEC-C71306133664}" dt="2024-10-28T13:21:49.218" v="1943" actId="931"/>
+          <ac:spMkLst>
+            <pc:docMk/>
+            <pc:sldMk cId="3317667217" sldId="264"/>
+            <ac:spMk id="4" creationId="{8E893360-1485-D49A-708F-2B754EDE5DDA}"/>
+          </ac:spMkLst>
+        </pc:spChg>
         <pc:spChg chg="del">
           <ac:chgData name="Alessandro Varaldi" userId="8bb48bf9c967e633" providerId="LiveId" clId="{E61605A1-C29F-4A6B-8EEC-C71306133664}" dt="2024-10-28T09:22:17.874" v="301" actId="478"/>
           <ac:spMkLst>
@@ -942,6 +1014,14 @@
             <ac:spMk id="8" creationId="{E3767DDF-135B-39D8-8EC6-51CB31B0F7BA}"/>
           </ac:spMkLst>
         </pc:spChg>
+        <pc:picChg chg="add mod">
+          <ac:chgData name="Alessandro Varaldi" userId="8bb48bf9c967e633" providerId="LiveId" clId="{E61605A1-C29F-4A6B-8EEC-C71306133664}" dt="2024-10-28T13:21:50.101" v="1945" actId="962"/>
+          <ac:picMkLst>
+            <pc:docMk/>
+            <pc:sldMk cId="3317667217" sldId="264"/>
+            <ac:picMk id="6" creationId="{435A6033-8541-60BE-F12C-CCF0D18F0816}"/>
+          </ac:picMkLst>
+        </pc:picChg>
         <pc:picChg chg="add del mod">
           <ac:chgData name="Alessandro Varaldi" userId="8bb48bf9c967e633" providerId="LiveId" clId="{E61605A1-C29F-4A6B-8EEC-C71306133664}" dt="2024-10-28T09:22:02.113" v="298" actId="478"/>
           <ac:picMkLst>
@@ -950,8 +1030,8 @@
             <ac:picMk id="6" creationId="{6BF6910C-6FE0-D844-26B0-E877B8CF76F6}"/>
           </ac:picMkLst>
         </pc:picChg>
-        <pc:picChg chg="add mod">
-          <ac:chgData name="Alessandro Varaldi" userId="8bb48bf9c967e633" providerId="LiveId" clId="{E61605A1-C29F-4A6B-8EEC-C71306133664}" dt="2024-10-28T09:31:43.389" v="323" actId="1076"/>
+        <pc:picChg chg="add del mod">
+          <ac:chgData name="Alessandro Varaldi" userId="8bb48bf9c967e633" providerId="LiveId" clId="{E61605A1-C29F-4A6B-8EEC-C71306133664}" dt="2024-10-28T13:21:31.750" v="1941" actId="478"/>
           <ac:picMkLst>
             <pc:docMk/>
             <pc:sldMk cId="3317667217" sldId="264"/>
@@ -960,13 +1040,13 @@
         </pc:picChg>
       </pc:sldChg>
       <pc:sldChg chg="addSp delSp modSp new mod">
-        <pc:chgData name="Alessandro Varaldi" userId="8bb48bf9c967e633" providerId="LiveId" clId="{E61605A1-C29F-4A6B-8EEC-C71306133664}" dt="2024-10-28T12:36:35.070" v="1546" actId="20577"/>
+        <pc:chgData name="Alessandro Varaldi" userId="8bb48bf9c967e633" providerId="LiveId" clId="{E61605A1-C29F-4A6B-8EEC-C71306133664}" dt="2024-10-28T15:44:18.573" v="2214" actId="20577"/>
         <pc:sldMkLst>
           <pc:docMk/>
           <pc:sldMk cId="1242363924" sldId="265"/>
         </pc:sldMkLst>
         <pc:spChg chg="mod">
-          <ac:chgData name="Alessandro Varaldi" userId="8bb48bf9c967e633" providerId="LiveId" clId="{E61605A1-C29F-4A6B-8EEC-C71306133664}" dt="2024-10-28T12:15:20.453" v="1173"/>
+          <ac:chgData name="Alessandro Varaldi" userId="8bb48bf9c967e633" providerId="LiveId" clId="{E61605A1-C29F-4A6B-8EEC-C71306133664}" dt="2024-10-28T13:23:44.523" v="1987" actId="20577"/>
           <ac:spMkLst>
             <pc:docMk/>
             <pc:sldMk cId="1242363924" sldId="265"/>
@@ -974,7 +1054,7 @@
           </ac:spMkLst>
         </pc:spChg>
         <pc:spChg chg="mod">
-          <ac:chgData name="Alessandro Varaldi" userId="8bb48bf9c967e633" providerId="LiveId" clId="{E61605A1-C29F-4A6B-8EEC-C71306133664}" dt="2024-10-28T12:36:35.070" v="1546" actId="20577"/>
+          <ac:chgData name="Alessandro Varaldi" userId="8bb48bf9c967e633" providerId="LiveId" clId="{E61605A1-C29F-4A6B-8EEC-C71306133664}" dt="2024-10-28T15:44:18.573" v="2214" actId="20577"/>
           <ac:spMkLst>
             <pc:docMk/>
             <pc:sldMk cId="1242363924" sldId="265"/>
@@ -1046,7 +1126,7 @@
           </ac:graphicFrameMkLst>
         </pc:graphicFrameChg>
         <pc:picChg chg="add mod">
-          <ac:chgData name="Alessandro Varaldi" userId="8bb48bf9c967e633" providerId="LiveId" clId="{E61605A1-C29F-4A6B-8EEC-C71306133664}" dt="2024-10-28T12:36:23.304" v="1542" actId="1035"/>
+          <ac:chgData name="Alessandro Varaldi" userId="8bb48bf9c967e633" providerId="LiveId" clId="{E61605A1-C29F-4A6B-8EEC-C71306133664}" dt="2024-10-28T15:43:35.765" v="2167" actId="1076"/>
           <ac:picMkLst>
             <pc:docMk/>
             <pc:sldMk cId="1242363924" sldId="265"/>
@@ -1054,7 +1134,7 @@
           </ac:picMkLst>
         </pc:picChg>
         <pc:picChg chg="add mod">
-          <ac:chgData name="Alessandro Varaldi" userId="8bb48bf9c967e633" providerId="LiveId" clId="{E61605A1-C29F-4A6B-8EEC-C71306133664}" dt="2024-10-28T12:36:31.654" v="1545" actId="1076"/>
+          <ac:chgData name="Alessandro Varaldi" userId="8bb48bf9c967e633" providerId="LiveId" clId="{E61605A1-C29F-4A6B-8EEC-C71306133664}" dt="2024-10-28T15:43:35.765" v="2167" actId="1076"/>
           <ac:picMkLst>
             <pc:docMk/>
             <pc:sldMk cId="1242363924" sldId="265"/>
@@ -5136,7 +5216,17 @@
           <a:bodyPr/>
           <a:lstStyle/>
           <a:p>
-            <a:endParaRPr lang="it-IT"/>
+            <a:r>
+              <a:rPr lang="it-IT"/>
+              <a:t>Parameterizable Dataflow Accelerator</a:t>
+            </a:r>
+            <a:br>
+              <a:rPr lang="it-IT"/>
+            </a:br>
+            <a:r>
+              <a:rPr lang="it-IT"/>
+              <a:t>for LSTM DNNs</a:t>
+            </a:r>
           </a:p>
         </p:txBody>
       </p:sp>
@@ -5161,7 +5251,10 @@
           <a:bodyPr/>
           <a:lstStyle/>
           <a:p>
-            <a:endParaRPr lang="it-IT"/>
+            <a:r>
+              <a:rPr lang="it-IT"/>
+              <a:t>ALESSANDRO VARALDI</a:t>
+            </a:r>
           </a:p>
         </p:txBody>
       </p:sp>
@@ -5217,9 +5310,10 @@
           <a:lstStyle/>
           <a:p>
             <a:r>
-              <a:rPr lang="it-IT" dirty="0"/>
-              <a:t>Roadmap</a:t>
-            </a:r>
+              <a:rPr lang="it-IT"/>
+              <a:t>PhD Roadmap</a:t>
+            </a:r>
+            <a:endParaRPr lang="it-IT" dirty="0"/>
           </a:p>
         </p:txBody>
       </p:sp>
@@ -5241,56 +5335,93 @@
         </p:nvSpPr>
         <p:spPr/>
         <p:txBody>
-          <a:bodyPr/>
+          <a:bodyPr>
+            <a:normAutofit/>
+          </a:bodyPr>
           <a:lstStyle/>
           <a:p>
             <a:pPr>
+              <a:lnSpc>
+                <a:spcPct val="150000"/>
+              </a:lnSpc>
               <a:buFont typeface="Wingdings" panose="05000000000000000000" pitchFamily="2" charset="2"/>
               <a:buChar char="Ø"/>
             </a:pPr>
             <a:r>
+              <a:rPr lang="it-IT" b="1"/>
+              <a:t>November 2024</a:t>
+            </a:r>
+            <a:r>
               <a:rPr lang="it-IT"/>
-              <a:t>November 2024: Design finalization (MAC unit and PWL Activation unit)</a:t>
+              <a:t>: Design finalization (Parametric MAC unit and PWL Activation unit)</a:t>
             </a:r>
           </a:p>
           <a:p>
             <a:pPr>
+              <a:lnSpc>
+                <a:spcPct val="150000"/>
+              </a:lnSpc>
               <a:buFont typeface="Wingdings" panose="05000000000000000000" pitchFamily="2" charset="2"/>
               <a:buChar char="Ø"/>
             </a:pPr>
             <a:r>
+              <a:rPr lang="it-IT" b="1"/>
+              <a:t>November/December 2024</a:t>
+            </a:r>
+            <a:r>
               <a:rPr lang="it-IT"/>
-              <a:t>November/December 2024: Results gathering, analysis, and writing the paper</a:t>
+              <a:t>: Results gathering, analysis, and writing the paper</a:t>
             </a:r>
           </a:p>
           <a:p>
             <a:pPr>
+              <a:lnSpc>
+                <a:spcPct val="150000"/>
+              </a:lnSpc>
               <a:buFont typeface="Wingdings" panose="05000000000000000000" pitchFamily="2" charset="2"/>
               <a:buChar char="Ø"/>
             </a:pPr>
             <a:r>
+              <a:rPr lang="it-IT" b="1"/>
+              <a:t>January/September 2025</a:t>
+            </a:r>
+            <a:r>
               <a:rPr lang="it-IT"/>
-              <a:t>January/September 2025: Period in company</a:t>
+              <a:t>: Period in company</a:t>
             </a:r>
           </a:p>
           <a:p>
             <a:pPr>
+              <a:lnSpc>
+                <a:spcPct val="150000"/>
+              </a:lnSpc>
               <a:buFont typeface="Wingdings" panose="05000000000000000000" pitchFamily="2" charset="2"/>
               <a:buChar char="Ø"/>
             </a:pPr>
             <a:r>
+              <a:rPr lang="it-IT" b="1"/>
+              <a:t>February/October? 2025</a:t>
+            </a:r>
+            <a:r>
               <a:rPr lang="it-IT"/>
-              <a:t>February/October? 2025: Master’s thesis</a:t>
+              <a:t>: Master’s thesis</a:t>
             </a:r>
           </a:p>
           <a:p>
             <a:pPr>
+              <a:lnSpc>
+                <a:spcPct val="150000"/>
+              </a:lnSpc>
               <a:buFont typeface="Wingdings" panose="05000000000000000000" pitchFamily="2" charset="2"/>
               <a:buChar char="Ø"/>
             </a:pPr>
             <a:r>
+              <a:rPr lang="it-IT" b="1"/>
+              <a:t>January/June 2026</a:t>
+            </a:r>
+            <a:r>
               <a:rPr lang="it-IT"/>
-              <a:t>January/June 2026: Abroad period</a:t>
+              <a:t>: Abroad period</a:t>
             </a:r>
             <a:endParaRPr lang="it-IT" dirty="0"/>
           </a:p>
@@ -5407,8 +5538,8 @@
           </a:prstGeom>
         </p:spPr>
       </p:pic>
-      <mc:AlternateContent xmlns:mc="http://schemas.openxmlformats.org/markup-compatibility/2006">
-        <mc:Choice xmlns:a14="http://schemas.microsoft.com/office/drawing/2010/main" Requires="a14">
+      <mc:AlternateContent xmlns:mc="http://schemas.openxmlformats.org/markup-compatibility/2006" xmlns:a14="http://schemas.microsoft.com/office/drawing/2010/main">
+        <mc:Choice Requires="a14">
           <p:sp>
             <p:nvSpPr>
               <p:cNvPr id="4" name="Content Placeholder 3">
@@ -5437,7 +5568,6 @@
               </a:bodyPr>
               <a:lstStyle/>
               <a:p>
-                <a:pPr/>
                 <a14:m>
                   <m:oMath xmlns:m="http://schemas.openxmlformats.org/officeDocument/2006/math">
                     <m:sSub>
@@ -5692,7 +5822,7 @@
             </p:txBody>
           </p:sp>
         </mc:Choice>
-        <mc:Fallback>
+        <mc:Fallback xmlns="">
           <p:sp>
             <p:nvSpPr>
               <p:cNvPr id="4" name="Content Placeholder 3">
@@ -5736,8 +5866,8 @@
           </p:sp>
         </mc:Fallback>
       </mc:AlternateContent>
-      <mc:AlternateContent xmlns:mc="http://schemas.openxmlformats.org/markup-compatibility/2006">
-        <mc:Choice xmlns:a14="http://schemas.microsoft.com/office/drawing/2010/main" Requires="a14">
+      <mc:AlternateContent xmlns:mc="http://schemas.openxmlformats.org/markup-compatibility/2006" xmlns:a14="http://schemas.microsoft.com/office/drawing/2010/main">
+        <mc:Choice Requires="a14">
           <p:graphicFrame>
             <p:nvGraphicFramePr>
               <p:cNvPr id="9" name="Segnaposto contenuto 8">
@@ -6137,7 +6267,7 @@
             </a:graphic>
           </p:graphicFrame>
         </mc:Choice>
-        <mc:Fallback>
+        <mc:Fallback xmlns="">
           <p:graphicFrame>
             <p:nvGraphicFramePr>
               <p:cNvPr id="9" name="Segnaposto contenuto 8">
@@ -6836,12 +6966,185 @@
           </a:p>
         </p:txBody>
       </p:sp>
+      <p:sp>
+        <p:nvSpPr>
+          <p:cNvPr id="3" name="TextBox 2">
+            <a:extLst>
+              <a:ext uri="{FF2B5EF4-FFF2-40B4-BE49-F238E27FC236}">
+                <a16:creationId xmlns:a16="http://schemas.microsoft.com/office/drawing/2014/main" id="{8700B612-1C35-06DA-6513-4CF502B5EB3B}"/>
+              </a:ext>
+            </a:extLst>
+          </p:cNvPr>
+          <p:cNvSpPr txBox="1"/>
+          <p:nvPr/>
+        </p:nvSpPr>
+        <p:spPr>
+          <a:xfrm>
+            <a:off x="8818117" y="2258319"/>
+            <a:ext cx="2493696" cy="3170099"/>
+          </a:xfrm>
+          <a:prstGeom prst="rect">
+            <a:avLst/>
+          </a:prstGeom>
+          <a:noFill/>
+        </p:spPr>
+        <p:txBody>
+          <a:bodyPr wrap="none" rtlCol="0">
+            <a:spAutoFit/>
+          </a:bodyPr>
+          <a:lstStyle/>
+          <a:p>
+            <a:r>
+              <a:rPr lang="it-IT" sz="2000"/>
+              <a:t>Parameters:</a:t>
+            </a:r>
+          </a:p>
+          <a:p>
+            <a:pPr marL="742950" lvl="1" indent="-285750">
+              <a:buFont typeface="Arial" panose="020B0604020202020204" pitchFamily="34" charset="0"/>
+              <a:buChar char="•"/>
+            </a:pPr>
+            <a:r>
+              <a:rPr lang="it-IT" sz="2000"/>
+              <a:t>Data precision:</a:t>
+            </a:r>
+          </a:p>
+          <a:p>
+            <a:pPr marL="1200150" lvl="2" indent="-285750">
+              <a:buFont typeface="Arial" panose="020B0604020202020204" pitchFamily="34" charset="0"/>
+              <a:buChar char="•"/>
+            </a:pPr>
+            <a:r>
+              <a:rPr lang="it-IT" sz="2000"/>
+              <a:t>int32</a:t>
+            </a:r>
+          </a:p>
+          <a:p>
+            <a:pPr marL="1200150" lvl="2" indent="-285750">
+              <a:buFont typeface="Arial" panose="020B0604020202020204" pitchFamily="34" charset="0"/>
+              <a:buChar char="•"/>
+            </a:pPr>
+            <a:r>
+              <a:rPr lang="it-IT" sz="2000"/>
+              <a:t>int16</a:t>
+            </a:r>
+          </a:p>
+          <a:p>
+            <a:pPr marL="1200150" lvl="2" indent="-285750">
+              <a:buFont typeface="Arial" panose="020B0604020202020204" pitchFamily="34" charset="0"/>
+              <a:buChar char="•"/>
+            </a:pPr>
+            <a:r>
+              <a:rPr lang="it-IT" sz="2000"/>
+              <a:t>float32</a:t>
+            </a:r>
+          </a:p>
+          <a:p>
+            <a:pPr marL="1200150" lvl="2" indent="-285750">
+              <a:buFont typeface="Arial" panose="020B0604020202020204" pitchFamily="34" charset="0"/>
+              <a:buChar char="•"/>
+            </a:pPr>
+            <a:r>
+              <a:rPr lang="it-IT" sz="2000"/>
+              <a:t>float16</a:t>
+            </a:r>
+          </a:p>
+          <a:p>
+            <a:pPr marL="1200150" lvl="2" indent="-285750">
+              <a:buFont typeface="Arial" panose="020B0604020202020204" pitchFamily="34" charset="0"/>
+              <a:buChar char="•"/>
+            </a:pPr>
+            <a:r>
+              <a:rPr lang="it-IT" sz="2000"/>
+              <a:t>etc.</a:t>
+            </a:r>
+          </a:p>
+          <a:p>
+            <a:pPr marL="1200150" lvl="2" indent="-285750">
+              <a:buFont typeface="Arial" panose="020B0604020202020204" pitchFamily="34" charset="0"/>
+              <a:buChar char="•"/>
+            </a:pPr>
+            <a:endParaRPr lang="it-IT" sz="2000"/>
+          </a:p>
+          <a:p>
+            <a:pPr marL="742950" lvl="1" indent="-285750">
+              <a:buFont typeface="Arial" panose="020B0604020202020204" pitchFamily="34" charset="0"/>
+              <a:buChar char="•"/>
+            </a:pPr>
+            <a:r>
+              <a:rPr lang="it-IT" sz="2000"/>
+              <a:t>n° of inputs</a:t>
+            </a:r>
+          </a:p>
+          <a:p>
+            <a:pPr marL="742950" lvl="1" indent="-285750">
+              <a:buFont typeface="Arial" panose="020B0604020202020204" pitchFamily="34" charset="0"/>
+              <a:buChar char="•"/>
+            </a:pPr>
+            <a:r>
+              <a:rPr lang="it-IT" sz="2000"/>
+              <a:t>n° of cells</a:t>
+            </a:r>
+          </a:p>
+        </p:txBody>
+      </p:sp>
+      <p:sp>
+        <p:nvSpPr>
+          <p:cNvPr id="4" name="TextBox 3">
+            <a:extLst>
+              <a:ext uri="{FF2B5EF4-FFF2-40B4-BE49-F238E27FC236}">
+                <a16:creationId xmlns:a16="http://schemas.microsoft.com/office/drawing/2014/main" id="{1C828D1F-3B5B-4252-441E-379910CCF396}"/>
+              </a:ext>
+            </a:extLst>
+          </p:cNvPr>
+          <p:cNvSpPr txBox="1"/>
+          <p:nvPr/>
+        </p:nvSpPr>
+        <p:spPr>
+          <a:xfrm>
+            <a:off x="4277684" y="5753130"/>
+            <a:ext cx="1692451" cy="369332"/>
+          </a:xfrm>
+          <a:prstGeom prst="rect">
+            <a:avLst/>
+          </a:prstGeom>
+          <a:noFill/>
+        </p:spPr>
+        <p:txBody>
+          <a:bodyPr wrap="none" rtlCol="0">
+            <a:spAutoFit/>
+          </a:bodyPr>
+          <a:lstStyle/>
+          <a:p>
+            <a:r>
+              <a:rPr lang="it-IT">
+                <a:latin typeface="Grotesque" panose="020B0504020202020204" pitchFamily="34" charset="0"/>
+              </a:rPr>
+              <a:t>→ </a:t>
+            </a:r>
+            <a:r>
+              <a:rPr lang="it-IT"/>
+              <a:t>Dataflow </a:t>
+            </a:r>
+            <a:r>
+              <a:rPr lang="it-IT">
+                <a:latin typeface="Grotesque" panose="020B0504020202020204" pitchFamily="34" charset="0"/>
+              </a:rPr>
+              <a:t>→</a:t>
+            </a:r>
+            <a:r>
+              <a:rPr lang="it-IT"/>
+              <a:t> </a:t>
+            </a:r>
+          </a:p>
+        </p:txBody>
+      </p:sp>
       <p:pic>
         <p:nvPicPr>
-          <p:cNvPr id="5" name="Segnaposto contenuto 4" descr="Immagine che contiene diagramma, Piano, Disegno tecnico, schematico&#10;&#10;Descrizione generata automaticamente">
+          <p:cNvPr id="9" name="Content Placeholder 8" descr="A diagram of a computer program&#10;&#10;Description automatically generated">
             <a:extLst>
               <a:ext uri="{FF2B5EF4-FFF2-40B4-BE49-F238E27FC236}">
-                <a16:creationId xmlns:a16="http://schemas.microsoft.com/office/drawing/2014/main" id="{A1ECD755-50D6-6CFC-371A-69F806674E7E}"/>
+                <a16:creationId xmlns:a16="http://schemas.microsoft.com/office/drawing/2014/main" id="{1BD3A125-E8CC-563E-7E73-BD234A08ECED}"/>
               </a:ext>
             </a:extLst>
           </p:cNvPr>
@@ -6866,184 +7169,11 @@
         </p:blipFill>
         <p:spPr>
           <a:xfrm>
-            <a:off x="1145458" y="2081698"/>
+            <a:off x="1618710" y="1933605"/>
             <a:ext cx="7010400" cy="3819525"/>
           </a:xfrm>
         </p:spPr>
       </p:pic>
-      <p:sp>
-        <p:nvSpPr>
-          <p:cNvPr id="3" name="TextBox 2">
-            <a:extLst>
-              <a:ext uri="{FF2B5EF4-FFF2-40B4-BE49-F238E27FC236}">
-                <a16:creationId xmlns:a16="http://schemas.microsoft.com/office/drawing/2014/main" id="{8700B612-1C35-06DA-6513-4CF502B5EB3B}"/>
-              </a:ext>
-            </a:extLst>
-          </p:cNvPr>
-          <p:cNvSpPr txBox="1"/>
-          <p:nvPr/>
-        </p:nvSpPr>
-        <p:spPr>
-          <a:xfrm>
-            <a:off x="8818117" y="2258319"/>
-            <a:ext cx="2493696" cy="3170099"/>
-          </a:xfrm>
-          <a:prstGeom prst="rect">
-            <a:avLst/>
-          </a:prstGeom>
-          <a:noFill/>
-        </p:spPr>
-        <p:txBody>
-          <a:bodyPr wrap="none" rtlCol="0">
-            <a:spAutoFit/>
-          </a:bodyPr>
-          <a:lstStyle/>
-          <a:p>
-            <a:r>
-              <a:rPr lang="it-IT" sz="2000"/>
-              <a:t>Parameters:</a:t>
-            </a:r>
-          </a:p>
-          <a:p>
-            <a:pPr marL="742950" lvl="1" indent="-285750">
-              <a:buFont typeface="Arial" panose="020B0604020202020204" pitchFamily="34" charset="0"/>
-              <a:buChar char="•"/>
-            </a:pPr>
-            <a:r>
-              <a:rPr lang="it-IT" sz="2000"/>
-              <a:t>Data precision:</a:t>
-            </a:r>
-          </a:p>
-          <a:p>
-            <a:pPr marL="1200150" lvl="2" indent="-285750">
-              <a:buFont typeface="Arial" panose="020B0604020202020204" pitchFamily="34" charset="0"/>
-              <a:buChar char="•"/>
-            </a:pPr>
-            <a:r>
-              <a:rPr lang="it-IT" sz="2000"/>
-              <a:t>int32</a:t>
-            </a:r>
-          </a:p>
-          <a:p>
-            <a:pPr marL="1200150" lvl="2" indent="-285750">
-              <a:buFont typeface="Arial" panose="020B0604020202020204" pitchFamily="34" charset="0"/>
-              <a:buChar char="•"/>
-            </a:pPr>
-            <a:r>
-              <a:rPr lang="it-IT" sz="2000"/>
-              <a:t>int16</a:t>
-            </a:r>
-          </a:p>
-          <a:p>
-            <a:pPr marL="1200150" lvl="2" indent="-285750">
-              <a:buFont typeface="Arial" panose="020B0604020202020204" pitchFamily="34" charset="0"/>
-              <a:buChar char="•"/>
-            </a:pPr>
-            <a:r>
-              <a:rPr lang="it-IT" sz="2000"/>
-              <a:t>float32</a:t>
-            </a:r>
-          </a:p>
-          <a:p>
-            <a:pPr marL="1200150" lvl="2" indent="-285750">
-              <a:buFont typeface="Arial" panose="020B0604020202020204" pitchFamily="34" charset="0"/>
-              <a:buChar char="•"/>
-            </a:pPr>
-            <a:r>
-              <a:rPr lang="it-IT" sz="2000"/>
-              <a:t>float16</a:t>
-            </a:r>
-          </a:p>
-          <a:p>
-            <a:pPr marL="1200150" lvl="2" indent="-285750">
-              <a:buFont typeface="Arial" panose="020B0604020202020204" pitchFamily="34" charset="0"/>
-              <a:buChar char="•"/>
-            </a:pPr>
-            <a:r>
-              <a:rPr lang="it-IT" sz="2000"/>
-              <a:t>etc.</a:t>
-            </a:r>
-          </a:p>
-          <a:p>
-            <a:pPr marL="1200150" lvl="2" indent="-285750">
-              <a:buFont typeface="Arial" panose="020B0604020202020204" pitchFamily="34" charset="0"/>
-              <a:buChar char="•"/>
-            </a:pPr>
-            <a:endParaRPr lang="it-IT" sz="2000"/>
-          </a:p>
-          <a:p>
-            <a:pPr marL="742950" lvl="1" indent="-285750">
-              <a:buFont typeface="Arial" panose="020B0604020202020204" pitchFamily="34" charset="0"/>
-              <a:buChar char="•"/>
-            </a:pPr>
-            <a:r>
-              <a:rPr lang="it-IT" sz="2000"/>
-              <a:t>n° of inputs</a:t>
-            </a:r>
-          </a:p>
-          <a:p>
-            <a:pPr marL="742950" lvl="1" indent="-285750">
-              <a:buFont typeface="Arial" panose="020B0604020202020204" pitchFamily="34" charset="0"/>
-              <a:buChar char="•"/>
-            </a:pPr>
-            <a:r>
-              <a:rPr lang="it-IT" sz="2000"/>
-              <a:t>n° of cells</a:t>
-            </a:r>
-          </a:p>
-        </p:txBody>
-      </p:sp>
-      <p:sp>
-        <p:nvSpPr>
-          <p:cNvPr id="4" name="TextBox 3">
-            <a:extLst>
-              <a:ext uri="{FF2B5EF4-FFF2-40B4-BE49-F238E27FC236}">
-                <a16:creationId xmlns:a16="http://schemas.microsoft.com/office/drawing/2014/main" id="{1C828D1F-3B5B-4252-441E-379910CCF396}"/>
-              </a:ext>
-            </a:extLst>
-          </p:cNvPr>
-          <p:cNvSpPr txBox="1"/>
-          <p:nvPr/>
-        </p:nvSpPr>
-        <p:spPr>
-          <a:xfrm>
-            <a:off x="3431459" y="5716557"/>
-            <a:ext cx="1692451" cy="369332"/>
-          </a:xfrm>
-          <a:prstGeom prst="rect">
-            <a:avLst/>
-          </a:prstGeom>
-          <a:noFill/>
-        </p:spPr>
-        <p:txBody>
-          <a:bodyPr wrap="none" rtlCol="0">
-            <a:spAutoFit/>
-          </a:bodyPr>
-          <a:lstStyle/>
-          <a:p>
-            <a:r>
-              <a:rPr lang="it-IT">
-                <a:latin typeface="Grotesque" panose="020B0504020202020204" pitchFamily="34" charset="0"/>
-              </a:rPr>
-              <a:t>→ </a:t>
-            </a:r>
-            <a:r>
-              <a:rPr lang="it-IT"/>
-              <a:t>Dataflow </a:t>
-            </a:r>
-            <a:r>
-              <a:rPr lang="it-IT">
-                <a:latin typeface="Grotesque" panose="020B0504020202020204" pitchFamily="34" charset="0"/>
-              </a:rPr>
-              <a:t>→</a:t>
-            </a:r>
-            <a:r>
-              <a:rPr lang="it-IT"/>
-              <a:t> </a:t>
-            </a:r>
-          </a:p>
-        </p:txBody>
-      </p:sp>
     </p:spTree>
     <p:extLst>
       <p:ext uri="{BB962C8B-B14F-4D97-AF65-F5344CB8AC3E}">
@@ -7102,76 +7232,6 @@
           </a:p>
         </p:txBody>
       </p:sp>
-      <p:pic>
-        <p:nvPicPr>
-          <p:cNvPr id="7" name="Content Placeholder 6" descr="A diagram of a computer component&#10;&#10;Description automatically generated">
-            <a:extLst>
-              <a:ext uri="{FF2B5EF4-FFF2-40B4-BE49-F238E27FC236}">
-                <a16:creationId xmlns:a16="http://schemas.microsoft.com/office/drawing/2014/main" id="{8B6E6969-9AC5-EB49-ECA3-E334D5C7D075}"/>
-              </a:ext>
-            </a:extLst>
-          </p:cNvPr>
-          <p:cNvPicPr>
-            <a:picLocks noGrp="1" noChangeAspect="1"/>
-          </p:cNvPicPr>
-          <p:nvPr>
-            <p:ph sz="half" idx="1"/>
-          </p:nvPr>
-        </p:nvPicPr>
-        <p:blipFill>
-          <a:blip r:embed="rId2">
-            <a:extLst>
-              <a:ext uri="{28A0092B-C50C-407E-A947-70E740481C1C}">
-                <a14:useLocalDpi xmlns:a14="http://schemas.microsoft.com/office/drawing/2010/main" val="0"/>
-              </a:ext>
-            </a:extLst>
-          </a:blip>
-          <a:stretch>
-            <a:fillRect/>
-          </a:stretch>
-        </p:blipFill>
-        <p:spPr>
-          <a:xfrm>
-            <a:off x="1319981" y="2340716"/>
-            <a:ext cx="1038225" cy="3419475"/>
-          </a:xfrm>
-        </p:spPr>
-      </p:pic>
-      <p:pic>
-        <p:nvPicPr>
-          <p:cNvPr id="11" name="Content Placeholder 10" descr="A diagram of a computer system&#10;&#10;Description automatically generated">
-            <a:extLst>
-              <a:ext uri="{FF2B5EF4-FFF2-40B4-BE49-F238E27FC236}">
-                <a16:creationId xmlns:a16="http://schemas.microsoft.com/office/drawing/2014/main" id="{95B3ED23-B9C6-2F42-4284-545D095741F9}"/>
-              </a:ext>
-            </a:extLst>
-          </p:cNvPr>
-          <p:cNvPicPr>
-            <a:picLocks noGrp="1" noChangeAspect="1"/>
-          </p:cNvPicPr>
-          <p:nvPr>
-            <p:ph sz="half" idx="2"/>
-          </p:nvPr>
-        </p:nvPicPr>
-        <p:blipFill>
-          <a:blip r:embed="rId3">
-            <a:extLst>
-              <a:ext uri="{28A0092B-C50C-407E-A947-70E740481C1C}">
-                <a14:useLocalDpi xmlns:a14="http://schemas.microsoft.com/office/drawing/2010/main" val="0"/>
-              </a:ext>
-            </a:extLst>
-          </a:blip>
-          <a:stretch>
-            <a:fillRect/>
-          </a:stretch>
-        </p:blipFill>
-        <p:spPr>
-          <a:xfrm>
-            <a:off x="5583765" y="2340716"/>
-            <a:ext cx="5510955" cy="3358969"/>
-          </a:xfrm>
-        </p:spPr>
-      </p:pic>
       <p:sp>
         <p:nvSpPr>
           <p:cNvPr id="12" name="TextBox 11">
@@ -7256,7 +7316,7 @@
         </p:nvSpPr>
         <p:spPr>
           <a:xfrm>
-            <a:off x="3503953" y="3794815"/>
+            <a:off x="3503953" y="3448891"/>
             <a:ext cx="934065" cy="599768"/>
           </a:xfrm>
           <a:prstGeom prst="rightArrow">
@@ -7288,6 +7348,78 @@
           </a:p>
         </p:txBody>
       </p:sp>
+      <p:pic>
+        <p:nvPicPr>
+          <p:cNvPr id="4" name="Content Placeholder 6" descr="A diagram of a computer component&#10;&#10;Description automatically generated">
+            <a:extLst>
+              <a:ext uri="{FF2B5EF4-FFF2-40B4-BE49-F238E27FC236}">
+                <a16:creationId xmlns:a16="http://schemas.microsoft.com/office/drawing/2014/main" id="{31B5AEB2-F832-0E8F-9B27-A63A72617E8A}"/>
+              </a:ext>
+            </a:extLst>
+          </p:cNvPr>
+          <p:cNvPicPr>
+            <a:picLocks noChangeAspect="1"/>
+          </p:cNvPicPr>
+          <p:nvPr/>
+        </p:nvPicPr>
+        <p:blipFill>
+          <a:blip r:embed="rId2">
+            <a:extLst>
+              <a:ext uri="{28A0092B-C50C-407E-A947-70E740481C1C}">
+                <a14:useLocalDpi xmlns:a14="http://schemas.microsoft.com/office/drawing/2010/main" val="0"/>
+              </a:ext>
+            </a:extLst>
+          </a:blip>
+          <a:stretch>
+            <a:fillRect/>
+          </a:stretch>
+        </p:blipFill>
+        <p:spPr>
+          <a:xfrm>
+            <a:off x="1319981" y="2039038"/>
+            <a:ext cx="1038225" cy="3419475"/>
+          </a:xfrm>
+          <a:prstGeom prst="rect">
+            <a:avLst/>
+          </a:prstGeom>
+        </p:spPr>
+      </p:pic>
+      <p:pic>
+        <p:nvPicPr>
+          <p:cNvPr id="5" name="Content Placeholder 10" descr="A diagram of a computer system&#10;&#10;Description automatically generated">
+            <a:extLst>
+              <a:ext uri="{FF2B5EF4-FFF2-40B4-BE49-F238E27FC236}">
+                <a16:creationId xmlns:a16="http://schemas.microsoft.com/office/drawing/2014/main" id="{8A2069C9-A2B3-8E49-2973-1EFF4FCEA580}"/>
+              </a:ext>
+            </a:extLst>
+          </p:cNvPr>
+          <p:cNvPicPr>
+            <a:picLocks noChangeAspect="1"/>
+          </p:cNvPicPr>
+          <p:nvPr/>
+        </p:nvPicPr>
+        <p:blipFill>
+          <a:blip r:embed="rId3">
+            <a:extLst>
+              <a:ext uri="{28A0092B-C50C-407E-A947-70E740481C1C}">
+                <a14:useLocalDpi xmlns:a14="http://schemas.microsoft.com/office/drawing/2010/main" val="0"/>
+              </a:ext>
+            </a:extLst>
+          </a:blip>
+          <a:stretch>
+            <a:fillRect/>
+          </a:stretch>
+        </p:blipFill>
+        <p:spPr>
+          <a:xfrm>
+            <a:off x="5583765" y="2039038"/>
+            <a:ext cx="5510955" cy="3358969"/>
+          </a:xfrm>
+          <a:prstGeom prst="rect">
+            <a:avLst/>
+          </a:prstGeom>
+        </p:spPr>
+      </p:pic>
     </p:spTree>
     <p:extLst>
       <p:ext uri="{BB962C8B-B14F-4D97-AF65-F5344CB8AC3E}">
@@ -7360,8 +7492,8 @@
         </p:nvSpPr>
         <p:spPr>
           <a:xfrm>
-            <a:off x="1097280" y="5512541"/>
-            <a:ext cx="2500853" cy="923330"/>
+            <a:off x="1036319" y="5746071"/>
+            <a:ext cx="3958467" cy="646331"/>
           </a:xfrm>
           <a:prstGeom prst="rect">
             <a:avLst/>
@@ -7398,8 +7530,8 @@
         </p:nvSpPr>
         <p:spPr>
           <a:xfrm>
-            <a:off x="8627807" y="4768248"/>
-            <a:ext cx="3043083" cy="923330"/>
+            <a:off x="6196779" y="5777834"/>
+            <a:ext cx="5830529" cy="369332"/>
           </a:xfrm>
           <a:prstGeom prst="rect">
             <a:avLst/>
@@ -7414,13 +7546,7 @@
           <a:p>
             <a:r>
               <a:rPr lang="it-IT"/>
-              <a:t>Look-Up-Table containing coefficients for tanh function</a:t>
-            </a:r>
-          </a:p>
-          <a:p>
-            <a:r>
-              <a:rPr lang="it-IT"/>
-              <a:t>piecewise linearization</a:t>
+              <a:t>Look-Up-Table containing coefficients for PWL tanh function</a:t>
             </a:r>
           </a:p>
         </p:txBody>
@@ -7439,7 +7565,7 @@
         </p:nvSpPr>
         <p:spPr>
           <a:xfrm>
-            <a:off x="4870637" y="3457389"/>
+            <a:off x="5328596" y="3477070"/>
             <a:ext cx="934065" cy="599768"/>
           </a:xfrm>
           <a:prstGeom prst="rightArrow">
@@ -7471,56 +7597,76 @@
           </a:p>
         </p:txBody>
       </p:sp>
-      <p:sp>
-        <p:nvSpPr>
-          <p:cNvPr id="5" name="Content Placeholder 4">
+      <p:pic>
+        <p:nvPicPr>
+          <p:cNvPr id="6" name="Content Placeholder 5" descr="A diagram of a flowchart&#10;&#10;Description automatically generated">
             <a:extLst>
               <a:ext uri="{FF2B5EF4-FFF2-40B4-BE49-F238E27FC236}">
-                <a16:creationId xmlns:a16="http://schemas.microsoft.com/office/drawing/2014/main" id="{41039301-BCCB-AEA8-CE2F-47F0790E19A2}"/>
+                <a16:creationId xmlns:a16="http://schemas.microsoft.com/office/drawing/2014/main" id="{90AD5344-58DC-B003-7171-53A1780D5546}"/>
               </a:ext>
             </a:extLst>
           </p:cNvPr>
-          <p:cNvSpPr>
-            <a:spLocks noGrp="1"/>
-          </p:cNvSpPr>
+          <p:cNvPicPr>
+            <a:picLocks noGrp="1" noChangeAspect="1"/>
+          </p:cNvPicPr>
           <p:nvPr>
             <p:ph sz="half" idx="1"/>
           </p:nvPr>
-        </p:nvSpPr>
-        <p:spPr/>
-        <p:txBody>
-          <a:bodyPr/>
-          <a:lstStyle/>
-          <a:p>
-            <a:endParaRPr lang="it-IT"/>
-          </a:p>
-        </p:txBody>
-      </p:sp>
-      <p:sp>
-        <p:nvSpPr>
-          <p:cNvPr id="7" name="Content Placeholder 6">
+        </p:nvPicPr>
+        <p:blipFill>
+          <a:blip r:embed="rId2">
+            <a:extLst>
+              <a:ext uri="{28A0092B-C50C-407E-A947-70E740481C1C}">
+                <a14:useLocalDpi xmlns:a14="http://schemas.microsoft.com/office/drawing/2010/main" val="0"/>
+              </a:ext>
+            </a:extLst>
+          </a:blip>
+          <a:stretch>
+            <a:fillRect/>
+          </a:stretch>
+        </p:blipFill>
+        <p:spPr>
+          <a:xfrm>
+            <a:off x="1663003" y="1776073"/>
+            <a:ext cx="2705100" cy="3962400"/>
+          </a:xfrm>
+        </p:spPr>
+      </p:pic>
+      <p:pic>
+        <p:nvPicPr>
+          <p:cNvPr id="9" name="Content Placeholder 8" descr="A diagram of a flowchart&#10;&#10;Description automatically generated">
             <a:extLst>
               <a:ext uri="{FF2B5EF4-FFF2-40B4-BE49-F238E27FC236}">
-                <a16:creationId xmlns:a16="http://schemas.microsoft.com/office/drawing/2014/main" id="{548681A2-A73B-E77A-2339-47DD4EEA2AF7}"/>
+                <a16:creationId xmlns:a16="http://schemas.microsoft.com/office/drawing/2014/main" id="{300ED0F2-82F1-DF98-4299-B92172BD243E}"/>
               </a:ext>
             </a:extLst>
           </p:cNvPr>
-          <p:cNvSpPr>
-            <a:spLocks noGrp="1"/>
-          </p:cNvSpPr>
+          <p:cNvPicPr>
+            <a:picLocks noGrp="1" noChangeAspect="1"/>
+          </p:cNvPicPr>
           <p:nvPr>
             <p:ph sz="half" idx="2"/>
           </p:nvPr>
-        </p:nvSpPr>
-        <p:spPr/>
-        <p:txBody>
-          <a:bodyPr/>
-          <a:lstStyle/>
-          <a:p>
-            <a:endParaRPr lang="it-IT"/>
-          </a:p>
-        </p:txBody>
-      </p:sp>
+        </p:nvPicPr>
+        <p:blipFill>
+          <a:blip r:embed="rId3">
+            <a:extLst>
+              <a:ext uri="{28A0092B-C50C-407E-A947-70E740481C1C}">
+                <a14:useLocalDpi xmlns:a14="http://schemas.microsoft.com/office/drawing/2010/main" val="0"/>
+              </a:ext>
+            </a:extLst>
+          </a:blip>
+          <a:stretch>
+            <a:fillRect/>
+          </a:stretch>
+        </p:blipFill>
+        <p:spPr>
+          <a:xfrm>
+            <a:off x="7223154" y="1776073"/>
+            <a:ext cx="3777781" cy="4022725"/>
+          </a:xfrm>
+        </p:spPr>
+      </p:pic>
     </p:spTree>
     <p:extLst>
       <p:ext uri="{BB962C8B-B14F-4D97-AF65-F5344CB8AC3E}">
@@ -7581,10 +7727,10 @@
       </p:sp>
       <p:pic>
         <p:nvPicPr>
-          <p:cNvPr id="10" name="Content Placeholder 9" descr="A diagram of a flowchart&#10;&#10;Description automatically generated">
+          <p:cNvPr id="6" name="Content Placeholder 5" descr="A diagram of a flowchart&#10;&#10;Description automatically generated">
             <a:extLst>
               <a:ext uri="{FF2B5EF4-FFF2-40B4-BE49-F238E27FC236}">
-                <a16:creationId xmlns:a16="http://schemas.microsoft.com/office/drawing/2014/main" id="{496C0661-FD4E-0C92-B0A3-6AFB42D3D326}"/>
+                <a16:creationId xmlns:a16="http://schemas.microsoft.com/office/drawing/2014/main" id="{435A6033-8541-60BE-F12C-CCF0D18F0816}"/>
               </a:ext>
             </a:extLst>
           </p:cNvPr>
@@ -7609,8 +7755,8 @@
         </p:blipFill>
         <p:spPr>
           <a:xfrm>
-            <a:off x="2261418" y="2397046"/>
-            <a:ext cx="7514305" cy="2857554"/>
+            <a:off x="1096963" y="1941257"/>
+            <a:ext cx="10058400" cy="3832737"/>
           </a:xfrm>
         </p:spPr>
       </p:pic>
@@ -7667,7 +7813,7 @@
           <a:p>
             <a:r>
               <a:rPr lang="it-IT"/>
-              <a:t>Data format</a:t>
+              <a:t>Supported data formats</a:t>
             </a:r>
           </a:p>
         </p:txBody>
@@ -7690,7 +7836,7 @@
         </p:nvSpPr>
         <p:spPr>
           <a:xfrm>
-            <a:off x="1097279" y="1845734"/>
+            <a:off x="1215266" y="2445986"/>
             <a:ext cx="10058400" cy="4023360"/>
           </a:xfrm>
         </p:spPr>
@@ -7698,21 +7844,26 @@
           <a:bodyPr/>
           <a:lstStyle/>
           <a:p>
-            <a:pPr marL="0" indent="0">
+            <a:pPr marL="0" indent="0" algn="ctr">
               <a:buNone/>
             </a:pPr>
             <a:r>
               <a:rPr lang="it-IT"/>
-              <a:t>Example for float32:</a:t>
-            </a:r>
-          </a:p>
-          <a:p>
+              <a:t>Example for float32 :</a:t>
+            </a:r>
+          </a:p>
+          <a:p>
+            <a:pPr algn="ctr"/>
             <a:endParaRPr lang="it-IT"/>
           </a:p>
           <a:p>
-            <a:pPr marL="0" indent="0">
+            <a:pPr marL="0" indent="0" algn="ctr">
               <a:buNone/>
             </a:pPr>
+            <a:r>
+              <a:rPr lang="it-IT"/>
+              <a:t>(1 + 3 + 32) bit: </a:t>
+            </a:r>
             <a:r>
               <a:rPr lang="it-IT">
                 <a:solidFill>
@@ -7787,7 +7938,7 @@
             </a:r>
           </a:p>
           <a:p>
-            <a:pPr marL="0" indent="0">
+            <a:pPr marL="0" indent="0" algn="ctr">
               <a:buNone/>
             </a:pPr>
             <a:r>
@@ -7796,15 +7947,19 @@
             </a:r>
           </a:p>
           <a:p>
-            <a:pPr marL="0" indent="0">
+            <a:pPr marL="0" indent="0" algn="ctr">
               <a:buNone/>
             </a:pPr>
             <a:endParaRPr lang="it-IT"/>
           </a:p>
           <a:p>
-            <a:pPr marL="0" indent="0">
+            <a:pPr marL="0" indent="0" algn="ctr">
               <a:buNone/>
             </a:pPr>
+            <a:r>
+              <a:rPr lang="it-IT"/>
+              <a:t>(1 + 3 + 16) bit: </a:t>
+            </a:r>
             <a:r>
               <a:rPr lang="it-IT">
                 <a:solidFill>
@@ -7890,7 +8045,7 @@
         </p:blipFill>
         <p:spPr>
           <a:xfrm>
-            <a:off x="1097279" y="3751570"/>
+            <a:off x="4411094" y="4265642"/>
             <a:ext cx="3666744" cy="192024"/>
           </a:xfrm>
           <a:prstGeom prst="rect">
@@ -7920,7 +8075,7 @@
         </p:blipFill>
         <p:spPr>
           <a:xfrm>
-            <a:off x="1097279" y="2412074"/>
+            <a:off x="2948054" y="2972997"/>
             <a:ext cx="6592824" cy="192024"/>
           </a:xfrm>
           <a:prstGeom prst="rect">

--- a/slides/slides.pptx
+++ b/slides/slides.pptx
@@ -15,6 +15,7 @@
     <p:sldId id="264" r:id="rId9"/>
     <p:sldId id="265" r:id="rId10"/>
     <p:sldId id="261" r:id="rId11"/>
+    <p:sldId id="267" r:id="rId12"/>
   </p:sldIdLst>
   <p:sldSz cx="12192000" cy="6858000"/>
   <p:notesSz cx="6858000" cy="9144000"/>
@@ -135,7 +136,7 @@
   <pc:docChgLst>
     <pc:chgData name="Alessandro Varaldi" userId="8bb48bf9c967e633" providerId="LiveId" clId="{E61605A1-C29F-4A6B-8EEC-C71306133664}"/>
     <pc:docChg chg="undo custSel addSld delSld modSld sldOrd">
-      <pc:chgData name="Alessandro Varaldi" userId="8bb48bf9c967e633" providerId="LiveId" clId="{E61605A1-C29F-4A6B-8EEC-C71306133664}" dt="2024-10-28T16:00:43.945" v="2253" actId="1076"/>
+      <pc:chgData name="Alessandro Varaldi" userId="8bb48bf9c967e633" providerId="LiveId" clId="{E61605A1-C29F-4A6B-8EEC-C71306133664}" dt="2024-10-28T16:09:00.280" v="2398"/>
       <pc:docMkLst>
         <pc:docMk/>
       </pc:docMkLst>
@@ -1267,6 +1268,29 @@
             <ac:picMk id="6" creationId="{841E58D9-B00C-7BB3-C638-C3A0F986B231}"/>
           </ac:picMkLst>
         </pc:picChg>
+      </pc:sldChg>
+      <pc:sldChg chg="modSp new mod ord">
+        <pc:chgData name="Alessandro Varaldi" userId="8bb48bf9c967e633" providerId="LiveId" clId="{E61605A1-C29F-4A6B-8EEC-C71306133664}" dt="2024-10-28T16:09:00.280" v="2398"/>
+        <pc:sldMkLst>
+          <pc:docMk/>
+          <pc:sldMk cId="235090547" sldId="267"/>
+        </pc:sldMkLst>
+        <pc:spChg chg="mod">
+          <ac:chgData name="Alessandro Varaldi" userId="8bb48bf9c967e633" providerId="LiveId" clId="{E61605A1-C29F-4A6B-8EEC-C71306133664}" dt="2024-10-28T16:06:28.623" v="2281" actId="20577"/>
+          <ac:spMkLst>
+            <pc:docMk/>
+            <pc:sldMk cId="235090547" sldId="267"/>
+            <ac:spMk id="2" creationId="{67731657-5741-3A86-598E-9B8CD3FD31B5}"/>
+          </ac:spMkLst>
+        </pc:spChg>
+        <pc:spChg chg="mod">
+          <ac:chgData name="Alessandro Varaldi" userId="8bb48bf9c967e633" providerId="LiveId" clId="{E61605A1-C29F-4A6B-8EEC-C71306133664}" dt="2024-10-28T16:08:38.348" v="2394" actId="20577"/>
+          <ac:spMkLst>
+            <pc:docMk/>
+            <pc:sldMk cId="235090547" sldId="267"/>
+            <ac:spMk id="3" creationId="{962501FA-0B58-8745-8025-F7BCFF217367}"/>
+          </ac:spMkLst>
+        </pc:spChg>
       </pc:sldChg>
     </pc:docChg>
   </pc:docChgLst>
@@ -5431,6 +5455,126 @@
     <p:extLst>
       <p:ext uri="{BB962C8B-B14F-4D97-AF65-F5344CB8AC3E}">
         <p14:creationId xmlns:p14="http://schemas.microsoft.com/office/powerpoint/2010/main" val="2900248986"/>
+      </p:ext>
+    </p:extLst>
+  </p:cSld>
+  <p:clrMapOvr>
+    <a:masterClrMapping/>
+  </p:clrMapOvr>
+</p:sld>
+</file>
+
+<file path=ppt/slides/slide11.xml><?xml version="1.0" encoding="utf-8"?>
+<p:sld xmlns:a="http://schemas.openxmlformats.org/drawingml/2006/main" xmlns:r="http://schemas.openxmlformats.org/officeDocument/2006/relationships" xmlns:p="http://schemas.openxmlformats.org/presentationml/2006/main">
+  <p:cSld>
+    <p:spTree>
+      <p:nvGrpSpPr>
+        <p:cNvPr id="1" name=""/>
+        <p:cNvGrpSpPr/>
+        <p:nvPr/>
+      </p:nvGrpSpPr>
+      <p:grpSpPr>
+        <a:xfrm>
+          <a:off x="0" y="0"/>
+          <a:ext cx="0" cy="0"/>
+          <a:chOff x="0" y="0"/>
+          <a:chExt cx="0" cy="0"/>
+        </a:xfrm>
+      </p:grpSpPr>
+      <p:sp>
+        <p:nvSpPr>
+          <p:cNvPr id="2" name="Title 1">
+            <a:extLst>
+              <a:ext uri="{FF2B5EF4-FFF2-40B4-BE49-F238E27FC236}">
+                <a16:creationId xmlns:a16="http://schemas.microsoft.com/office/drawing/2014/main" id="{67731657-5741-3A86-598E-9B8CD3FD31B5}"/>
+              </a:ext>
+            </a:extLst>
+          </p:cNvPr>
+          <p:cNvSpPr>
+            <a:spLocks noGrp="1"/>
+          </p:cNvSpPr>
+          <p:nvPr>
+            <p:ph type="title"/>
+          </p:nvPr>
+        </p:nvSpPr>
+        <p:spPr/>
+        <p:txBody>
+          <a:bodyPr/>
+          <a:lstStyle/>
+          <a:p>
+            <a:r>
+              <a:rPr lang="it-IT"/>
+              <a:t>Possible future works</a:t>
+            </a:r>
+          </a:p>
+        </p:txBody>
+      </p:sp>
+      <p:sp>
+        <p:nvSpPr>
+          <p:cNvPr id="3" name="Content Placeholder 2">
+            <a:extLst>
+              <a:ext uri="{FF2B5EF4-FFF2-40B4-BE49-F238E27FC236}">
+                <a16:creationId xmlns:a16="http://schemas.microsoft.com/office/drawing/2014/main" id="{962501FA-0B58-8745-8025-F7BCFF217367}"/>
+              </a:ext>
+            </a:extLst>
+          </p:cNvPr>
+          <p:cNvSpPr>
+            <a:spLocks noGrp="1"/>
+          </p:cNvSpPr>
+          <p:nvPr>
+            <p:ph idx="1"/>
+          </p:nvPr>
+        </p:nvSpPr>
+        <p:spPr/>
+        <p:txBody>
+          <a:bodyPr/>
+          <a:lstStyle/>
+          <a:p>
+            <a:pPr>
+              <a:buFont typeface="Courier New" panose="02070309020205020404" pitchFamily="49" charset="0"/>
+              <a:buChar char="o"/>
+            </a:pPr>
+            <a:r>
+              <a:rPr lang="it-IT"/>
+              <a:t> Mixed precision</a:t>
+            </a:r>
+          </a:p>
+          <a:p>
+            <a:pPr>
+              <a:buFont typeface="Courier New" panose="02070309020205020404" pitchFamily="49" charset="0"/>
+              <a:buChar char="o"/>
+            </a:pPr>
+            <a:r>
+              <a:rPr lang="it-IT"/>
+              <a:t> Interfacing and SoC integration</a:t>
+            </a:r>
+          </a:p>
+          <a:p>
+            <a:pPr>
+              <a:buFont typeface="Courier New" panose="02070309020205020404" pitchFamily="49" charset="0"/>
+              <a:buChar char="o"/>
+            </a:pPr>
+            <a:r>
+              <a:rPr lang="it-IT"/>
+              <a:t> Approximate computing</a:t>
+            </a:r>
+          </a:p>
+          <a:p>
+            <a:pPr>
+              <a:buFont typeface="Courier New" panose="02070309020205020404" pitchFamily="49" charset="0"/>
+              <a:buChar char="o"/>
+            </a:pPr>
+            <a:r>
+              <a:rPr lang="it-IT"/>
+              <a:t> Address generator optimization</a:t>
+            </a:r>
+          </a:p>
+        </p:txBody>
+      </p:sp>
+    </p:spTree>
+    <p:extLst>
+      <p:ext uri="{BB962C8B-B14F-4D97-AF65-F5344CB8AC3E}">
+        <p14:creationId xmlns:p14="http://schemas.microsoft.com/office/powerpoint/2010/main" val="235090547"/>
       </p:ext>
     </p:extLst>
   </p:cSld>

--- a/slides/slides.pptx
+++ b/slides/slides.pptx
@@ -125,8 +125,7 @@
 <file path=ppt/revisionInfo.xml><?xml version="1.0" encoding="utf-8"?>
 <p1510:revInfo xmlns:a="http://schemas.openxmlformats.org/drawingml/2006/main" xmlns:r="http://schemas.openxmlformats.org/officeDocument/2006/relationships" xmlns:p1510="http://schemas.microsoft.com/office/powerpoint/2015/10/main">
   <p1510:revLst>
-    <p1510:client id="{E61605A1-C29F-4A6B-8EEC-C71306133664}" v="124" dt="2024-10-28T15:57:45.866"/>
-    <p1510:client id="{F641F177-3029-46B2-B892-BC9CACEFDA58}" v="168" dt="2024-10-27T16:42:36.472"/>
+    <p1510:client id="{B53FE12C-FE11-48F8-B91A-469E56D69C71}" v="5" dt="2024-10-31T09:23:40.391"/>
   </p1510:revLst>
 </p1510:revInfo>
 </file>
@@ -1516,6 +1515,360 @@
           <pc:docMk/>
           <pc:sldMk cId="606708434" sldId="263"/>
         </pc:sldMkLst>
+      </pc:sldChg>
+    </pc:docChg>
+  </pc:docChgLst>
+  <pc:docChgLst>
+    <pc:chgData name="Alessandro Varaldi" userId="8bb48bf9c967e633" providerId="LiveId" clId="{B53FE12C-FE11-48F8-B91A-469E56D69C71}"/>
+    <pc:docChg chg="undo custSel modSld sldOrd">
+      <pc:chgData name="Alessandro Varaldi" userId="8bb48bf9c967e633" providerId="LiveId" clId="{B53FE12C-FE11-48F8-B91A-469E56D69C71}" dt="2024-10-31T14:59:41.221" v="425" actId="20577"/>
+      <pc:docMkLst>
+        <pc:docMk/>
+      </pc:docMkLst>
+      <pc:sldChg chg="addSp modSp mod setBg addAnim">
+        <pc:chgData name="Alessandro Varaldi" userId="8bb48bf9c967e633" providerId="LiveId" clId="{B53FE12C-FE11-48F8-B91A-469E56D69C71}" dt="2024-10-31T13:50:10.497" v="388"/>
+        <pc:sldMkLst>
+          <pc:docMk/>
+          <pc:sldMk cId="2361630292" sldId="256"/>
+        </pc:sldMkLst>
+        <pc:spChg chg="mod">
+          <ac:chgData name="Alessandro Varaldi" userId="8bb48bf9c967e633" providerId="LiveId" clId="{B53FE12C-FE11-48F8-B91A-469E56D69C71}" dt="2024-10-31T13:50:10.497" v="386" actId="26606"/>
+          <ac:spMkLst>
+            <pc:docMk/>
+            <pc:sldMk cId="2361630292" sldId="256"/>
+            <ac:spMk id="2" creationId="{BA49AED5-44BA-22E7-7E81-57FBE60563D1}"/>
+          </ac:spMkLst>
+        </pc:spChg>
+        <pc:spChg chg="mod">
+          <ac:chgData name="Alessandro Varaldi" userId="8bb48bf9c967e633" providerId="LiveId" clId="{B53FE12C-FE11-48F8-B91A-469E56D69C71}" dt="2024-10-31T13:50:10.497" v="386" actId="26606"/>
+          <ac:spMkLst>
+            <pc:docMk/>
+            <pc:sldMk cId="2361630292" sldId="256"/>
+            <ac:spMk id="3" creationId="{F3DC7737-B125-3875-B6ED-12CFC5FDA0E7}"/>
+          </ac:spMkLst>
+        </pc:spChg>
+        <pc:spChg chg="add">
+          <ac:chgData name="Alessandro Varaldi" userId="8bb48bf9c967e633" providerId="LiveId" clId="{B53FE12C-FE11-48F8-B91A-469E56D69C71}" dt="2024-10-31T13:50:10.497" v="386" actId="26606"/>
+          <ac:spMkLst>
+            <pc:docMk/>
+            <pc:sldMk cId="2361630292" sldId="256"/>
+            <ac:spMk id="8" creationId="{8C6E698C-8155-4B8B-BDC9-B7299772B509}"/>
+          </ac:spMkLst>
+        </pc:spChg>
+        <pc:spChg chg="add">
+          <ac:chgData name="Alessandro Varaldi" userId="8bb48bf9c967e633" providerId="LiveId" clId="{B53FE12C-FE11-48F8-B91A-469E56D69C71}" dt="2024-10-31T13:50:10.497" v="386" actId="26606"/>
+          <ac:spMkLst>
+            <pc:docMk/>
+            <pc:sldMk cId="2361630292" sldId="256"/>
+            <ac:spMk id="12" creationId="{8A549DE7-671D-4575-AF43-858FD99981CF}"/>
+          </ac:spMkLst>
+        </pc:spChg>
+        <pc:spChg chg="add">
+          <ac:chgData name="Alessandro Varaldi" userId="8bb48bf9c967e633" providerId="LiveId" clId="{B53FE12C-FE11-48F8-B91A-469E56D69C71}" dt="2024-10-31T13:50:10.497" v="386" actId="26606"/>
+          <ac:spMkLst>
+            <pc:docMk/>
+            <pc:sldMk cId="2361630292" sldId="256"/>
+            <ac:spMk id="14" creationId="{C22D9B36-9BE7-472B-8808-7E0D6810738F}"/>
+          </ac:spMkLst>
+        </pc:spChg>
+        <pc:cxnChg chg="add">
+          <ac:chgData name="Alessandro Varaldi" userId="8bb48bf9c967e633" providerId="LiveId" clId="{B53FE12C-FE11-48F8-B91A-469E56D69C71}" dt="2024-10-31T13:50:10.497" v="386" actId="26606"/>
+          <ac:cxnSpMkLst>
+            <pc:docMk/>
+            <pc:sldMk cId="2361630292" sldId="256"/>
+            <ac:cxnSpMk id="10" creationId="{09525C9A-1972-4836-BA7A-706C946EF4DA}"/>
+          </ac:cxnSpMkLst>
+        </pc:cxnChg>
+      </pc:sldChg>
+      <pc:sldChg chg="addSp modSp mod">
+        <pc:chgData name="Alessandro Varaldi" userId="8bb48bf9c967e633" providerId="LiveId" clId="{B53FE12C-FE11-48F8-B91A-469E56D69C71}" dt="2024-10-31T09:24:01.256" v="349" actId="1076"/>
+        <pc:sldMkLst>
+          <pc:docMk/>
+          <pc:sldMk cId="4073443131" sldId="260"/>
+        </pc:sldMkLst>
+        <pc:spChg chg="mod">
+          <ac:chgData name="Alessandro Varaldi" userId="8bb48bf9c967e633" providerId="LiveId" clId="{B53FE12C-FE11-48F8-B91A-469E56D69C71}" dt="2024-10-31T09:24:01.256" v="349" actId="1076"/>
+          <ac:spMkLst>
+            <pc:docMk/>
+            <pc:sldMk cId="4073443131" sldId="260"/>
+            <ac:spMk id="4" creationId="{1C828D1F-3B5B-4252-441E-379910CCF396}"/>
+          </ac:spMkLst>
+        </pc:spChg>
+        <pc:spChg chg="add mod">
+          <ac:chgData name="Alessandro Varaldi" userId="8bb48bf9c967e633" providerId="LiveId" clId="{B53FE12C-FE11-48F8-B91A-469E56D69C71}" dt="2024-10-31T09:22:02.280" v="268" actId="1076"/>
+          <ac:spMkLst>
+            <pc:docMk/>
+            <pc:sldMk cId="4073443131" sldId="260"/>
+            <ac:spMk id="5" creationId="{A63FC887-881C-C172-20C4-B74A6C5D52E7}"/>
+          </ac:spMkLst>
+        </pc:spChg>
+        <pc:spChg chg="add mod">
+          <ac:chgData name="Alessandro Varaldi" userId="8bb48bf9c967e633" providerId="LiveId" clId="{B53FE12C-FE11-48F8-B91A-469E56D69C71}" dt="2024-10-31T09:22:34.949" v="293" actId="1076"/>
+          <ac:spMkLst>
+            <pc:docMk/>
+            <pc:sldMk cId="4073443131" sldId="260"/>
+            <ac:spMk id="6" creationId="{0BAB3F20-59B6-4BBB-3E5C-0E19E4B60B3E}"/>
+          </ac:spMkLst>
+        </pc:spChg>
+        <pc:spChg chg="add mod">
+          <ac:chgData name="Alessandro Varaldi" userId="8bb48bf9c967e633" providerId="LiveId" clId="{B53FE12C-FE11-48F8-B91A-469E56D69C71}" dt="2024-10-31T09:22:53.729" v="314" actId="1076"/>
+          <ac:spMkLst>
+            <pc:docMk/>
+            <pc:sldMk cId="4073443131" sldId="260"/>
+            <ac:spMk id="7" creationId="{2CEC29BE-05AD-4BCC-5685-2FC2AC8FCDE9}"/>
+          </ac:spMkLst>
+        </pc:spChg>
+        <pc:spChg chg="add mod">
+          <ac:chgData name="Alessandro Varaldi" userId="8bb48bf9c967e633" providerId="LiveId" clId="{B53FE12C-FE11-48F8-B91A-469E56D69C71}" dt="2024-10-31T09:23:13.178" v="340" actId="1076"/>
+          <ac:spMkLst>
+            <pc:docMk/>
+            <pc:sldMk cId="4073443131" sldId="260"/>
+            <ac:spMk id="8" creationId="{8288E3F0-DB4C-4D7A-1C62-15DFD5267C27}"/>
+          </ac:spMkLst>
+        </pc:spChg>
+        <pc:spChg chg="add mod">
+          <ac:chgData name="Alessandro Varaldi" userId="8bb48bf9c967e633" providerId="LiveId" clId="{B53FE12C-FE11-48F8-B91A-469E56D69C71}" dt="2024-10-31T09:23:46.641" v="348" actId="1076"/>
+          <ac:spMkLst>
+            <pc:docMk/>
+            <pc:sldMk cId="4073443131" sldId="260"/>
+            <ac:spMk id="10" creationId="{6BBCBFC5-582B-A3ED-00AD-8B39CCB59645}"/>
+          </ac:spMkLst>
+        </pc:spChg>
+      </pc:sldChg>
+      <pc:sldChg chg="modSp mod ord">
+        <pc:chgData name="Alessandro Varaldi" userId="8bb48bf9c967e633" providerId="LiveId" clId="{B53FE12C-FE11-48F8-B91A-469E56D69C71}" dt="2024-10-31T14:59:41.221" v="425" actId="20577"/>
+        <pc:sldMkLst>
+          <pc:docMk/>
+          <pc:sldMk cId="2900248986" sldId="261"/>
+        </pc:sldMkLst>
+        <pc:spChg chg="mod">
+          <ac:chgData name="Alessandro Varaldi" userId="8bb48bf9c967e633" providerId="LiveId" clId="{B53FE12C-FE11-48F8-B91A-469E56D69C71}" dt="2024-10-31T14:59:41.221" v="425" actId="20577"/>
+          <ac:spMkLst>
+            <pc:docMk/>
+            <pc:sldMk cId="2900248986" sldId="261"/>
+            <ac:spMk id="3" creationId="{389E9128-1599-596F-0F4B-B808B59ACCBD}"/>
+          </ac:spMkLst>
+        </pc:spChg>
+      </pc:sldChg>
+      <pc:sldChg chg="modSp mod">
+        <pc:chgData name="Alessandro Varaldi" userId="8bb48bf9c967e633" providerId="LiveId" clId="{B53FE12C-FE11-48F8-B91A-469E56D69C71}" dt="2024-10-31T13:39:45.798" v="381" actId="20577"/>
+        <pc:sldMkLst>
+          <pc:docMk/>
+          <pc:sldMk cId="1970946143" sldId="262"/>
+        </pc:sldMkLst>
+        <pc:spChg chg="mod">
+          <ac:chgData name="Alessandro Varaldi" userId="8bb48bf9c967e633" providerId="LiveId" clId="{B53FE12C-FE11-48F8-B91A-469E56D69C71}" dt="2024-10-31T13:39:45.798" v="381" actId="20577"/>
+          <ac:spMkLst>
+            <pc:docMk/>
+            <pc:sldMk cId="1970946143" sldId="262"/>
+            <ac:spMk id="2" creationId="{690E027F-9C30-54D7-D3BD-C4B201DBABEF}"/>
+          </ac:spMkLst>
+        </pc:spChg>
+        <pc:graphicFrameChg chg="mod modGraphic">
+          <ac:chgData name="Alessandro Varaldi" userId="8bb48bf9c967e633" providerId="LiveId" clId="{B53FE12C-FE11-48F8-B91A-469E56D69C71}" dt="2024-10-31T09:21:34.993" v="250" actId="20577"/>
+          <ac:graphicFrameMkLst>
+            <pc:docMk/>
+            <pc:sldMk cId="1970946143" sldId="262"/>
+            <ac:graphicFrameMk id="9" creationId="{C505C7DB-EFFC-8F73-2870-BAA9B4F9C283}"/>
+          </ac:graphicFrameMkLst>
+        </pc:graphicFrameChg>
+      </pc:sldChg>
+      <pc:sldChg chg="addSp delSp modSp mod setBg">
+        <pc:chgData name="Alessandro Varaldi" userId="8bb48bf9c967e633" providerId="LiveId" clId="{B53FE12C-FE11-48F8-B91A-469E56D69C71}" dt="2024-10-31T13:49:51.929" v="385" actId="26606"/>
+        <pc:sldMkLst>
+          <pc:docMk/>
+          <pc:sldMk cId="3317667217" sldId="264"/>
+        </pc:sldMkLst>
+        <pc:spChg chg="mod">
+          <ac:chgData name="Alessandro Varaldi" userId="8bb48bf9c967e633" providerId="LiveId" clId="{B53FE12C-FE11-48F8-B91A-469E56D69C71}" dt="2024-10-31T13:49:51.929" v="385" actId="26606"/>
+          <ac:spMkLst>
+            <pc:docMk/>
+            <pc:sldMk cId="3317667217" sldId="264"/>
+            <ac:spMk id="2" creationId="{8C3B71B2-3462-942B-EDA0-65BF64E9D854}"/>
+          </ac:spMkLst>
+        </pc:spChg>
+        <pc:spChg chg="add del">
+          <ac:chgData name="Alessandro Varaldi" userId="8bb48bf9c967e633" providerId="LiveId" clId="{B53FE12C-FE11-48F8-B91A-469E56D69C71}" dt="2024-10-31T13:49:51.929" v="385" actId="26606"/>
+          <ac:spMkLst>
+            <pc:docMk/>
+            <pc:sldMk cId="3317667217" sldId="264"/>
+            <ac:spMk id="11" creationId="{4E4490D0-3672-446A-AC12-B4830333BDDD}"/>
+          </ac:spMkLst>
+        </pc:spChg>
+        <pc:spChg chg="add del">
+          <ac:chgData name="Alessandro Varaldi" userId="8bb48bf9c967e633" providerId="LiveId" clId="{B53FE12C-FE11-48F8-B91A-469E56D69C71}" dt="2024-10-31T13:49:51.929" v="385" actId="26606"/>
+          <ac:spMkLst>
+            <pc:docMk/>
+            <pc:sldMk cId="3317667217" sldId="264"/>
+            <ac:spMk id="13" creationId="{39CB82C2-DF65-4EC1-8280-F201D50F570B}"/>
+          </ac:spMkLst>
+        </pc:spChg>
+        <pc:spChg chg="add del">
+          <ac:chgData name="Alessandro Varaldi" userId="8bb48bf9c967e633" providerId="LiveId" clId="{B53FE12C-FE11-48F8-B91A-469E56D69C71}" dt="2024-10-31T13:49:51.929" v="385" actId="26606"/>
+          <ac:spMkLst>
+            <pc:docMk/>
+            <pc:sldMk cId="3317667217" sldId="264"/>
+            <ac:spMk id="17" creationId="{C4AAA502-5435-489E-9538-3A40E6C71461}"/>
+          </ac:spMkLst>
+        </pc:spChg>
+        <pc:spChg chg="add del">
+          <ac:chgData name="Alessandro Varaldi" userId="8bb48bf9c967e633" providerId="LiveId" clId="{B53FE12C-FE11-48F8-B91A-469E56D69C71}" dt="2024-10-31T13:49:51.929" v="385" actId="26606"/>
+          <ac:spMkLst>
+            <pc:docMk/>
+            <pc:sldMk cId="3317667217" sldId="264"/>
+            <ac:spMk id="21" creationId="{DE42378B-2E28-4810-8421-7A473A40E376}"/>
+          </ac:spMkLst>
+        </pc:spChg>
+        <pc:spChg chg="add del">
+          <ac:chgData name="Alessandro Varaldi" userId="8bb48bf9c967e633" providerId="LiveId" clId="{B53FE12C-FE11-48F8-B91A-469E56D69C71}" dt="2024-10-31T13:49:51.929" v="385" actId="26606"/>
+          <ac:spMkLst>
+            <pc:docMk/>
+            <pc:sldMk cId="3317667217" sldId="264"/>
+            <ac:spMk id="23" creationId="{0D91DD17-237F-4811-BC0E-128EB1BD7CFE}"/>
+          </ac:spMkLst>
+        </pc:spChg>
+        <pc:picChg chg="mod">
+          <ac:chgData name="Alessandro Varaldi" userId="8bb48bf9c967e633" providerId="LiveId" clId="{B53FE12C-FE11-48F8-B91A-469E56D69C71}" dt="2024-10-31T13:49:51.929" v="385" actId="26606"/>
+          <ac:picMkLst>
+            <pc:docMk/>
+            <pc:sldMk cId="3317667217" sldId="264"/>
+            <ac:picMk id="6" creationId="{435A6033-8541-60BE-F12C-CCF0D18F0816}"/>
+          </ac:picMkLst>
+        </pc:picChg>
+        <pc:cxnChg chg="add del">
+          <ac:chgData name="Alessandro Varaldi" userId="8bb48bf9c967e633" providerId="LiveId" clId="{B53FE12C-FE11-48F8-B91A-469E56D69C71}" dt="2024-10-31T13:49:51.929" v="385" actId="26606"/>
+          <ac:cxnSpMkLst>
+            <pc:docMk/>
+            <pc:sldMk cId="3317667217" sldId="264"/>
+            <ac:cxnSpMk id="15" creationId="{7E1D4427-852B-4B37-8E76-0E9F1810BA2A}"/>
+          </ac:cxnSpMkLst>
+        </pc:cxnChg>
+        <pc:cxnChg chg="add del">
+          <ac:chgData name="Alessandro Varaldi" userId="8bb48bf9c967e633" providerId="LiveId" clId="{B53FE12C-FE11-48F8-B91A-469E56D69C71}" dt="2024-10-31T13:49:51.929" v="385" actId="26606"/>
+          <ac:cxnSpMkLst>
+            <pc:docMk/>
+            <pc:sldMk cId="3317667217" sldId="264"/>
+            <ac:cxnSpMk id="19" creationId="{C9AC0290-4702-4519-B0F4-C2A46880997B}"/>
+          </ac:cxnSpMkLst>
+        </pc:cxnChg>
+      </pc:sldChg>
+      <pc:sldChg chg="addSp delSp modSp mod setBg">
+        <pc:chgData name="Alessandro Varaldi" userId="8bb48bf9c967e633" providerId="LiveId" clId="{B53FE12C-FE11-48F8-B91A-469E56D69C71}" dt="2024-10-31T13:49:38.804" v="383" actId="26606"/>
+        <pc:sldMkLst>
+          <pc:docMk/>
+          <pc:sldMk cId="1242363924" sldId="265"/>
+        </pc:sldMkLst>
+        <pc:spChg chg="mod">
+          <ac:chgData name="Alessandro Varaldi" userId="8bb48bf9c967e633" providerId="LiveId" clId="{B53FE12C-FE11-48F8-B91A-469E56D69C71}" dt="2024-10-31T13:49:38.804" v="383" actId="26606"/>
+          <ac:spMkLst>
+            <pc:docMk/>
+            <pc:sldMk cId="1242363924" sldId="265"/>
+            <ac:spMk id="2" creationId="{671A284E-B852-0BD5-23F1-F9B46FDC36B9}"/>
+          </ac:spMkLst>
+        </pc:spChg>
+        <pc:spChg chg="mod ord">
+          <ac:chgData name="Alessandro Varaldi" userId="8bb48bf9c967e633" providerId="LiveId" clId="{B53FE12C-FE11-48F8-B91A-469E56D69C71}" dt="2024-10-31T13:49:38.804" v="383" actId="26606"/>
+          <ac:spMkLst>
+            <pc:docMk/>
+            <pc:sldMk cId="1242363924" sldId="265"/>
+            <ac:spMk id="3" creationId="{1DFCC9E8-C36A-E030-E1A0-E9B7AA419C6B}"/>
+          </ac:spMkLst>
+        </pc:spChg>
+        <pc:spChg chg="add del">
+          <ac:chgData name="Alessandro Varaldi" userId="8bb48bf9c967e633" providerId="LiveId" clId="{B53FE12C-FE11-48F8-B91A-469E56D69C71}" dt="2024-10-31T13:49:38.804" v="383" actId="26606"/>
+          <ac:spMkLst>
+            <pc:docMk/>
+            <pc:sldMk cId="1242363924" sldId="265"/>
+            <ac:spMk id="21" creationId="{7C2DC10F-CD76-43DC-9E0B-CB291F740C0F}"/>
+          </ac:spMkLst>
+        </pc:spChg>
+        <pc:spChg chg="add del">
+          <ac:chgData name="Alessandro Varaldi" userId="8bb48bf9c967e633" providerId="LiveId" clId="{B53FE12C-FE11-48F8-B91A-469E56D69C71}" dt="2024-10-31T13:49:38.804" v="383" actId="26606"/>
+          <ac:spMkLst>
+            <pc:docMk/>
+            <pc:sldMk cId="1242363924" sldId="265"/>
+            <ac:spMk id="23" creationId="{1C18170A-08B7-4230-A012-B24C20E39391}"/>
+          </ac:spMkLst>
+        </pc:spChg>
+        <pc:spChg chg="add del">
+          <ac:chgData name="Alessandro Varaldi" userId="8bb48bf9c967e633" providerId="LiveId" clId="{B53FE12C-FE11-48F8-B91A-469E56D69C71}" dt="2024-10-31T13:49:38.804" v="383" actId="26606"/>
+          <ac:spMkLst>
+            <pc:docMk/>
+            <pc:sldMk cId="1242363924" sldId="265"/>
+            <ac:spMk id="27" creationId="{E5958DBC-F4DA-42A8-8C52-860179790ECD}"/>
+          </ac:spMkLst>
+        </pc:spChg>
+        <pc:spChg chg="add del">
+          <ac:chgData name="Alessandro Varaldi" userId="8bb48bf9c967e633" providerId="LiveId" clId="{B53FE12C-FE11-48F8-B91A-469E56D69C71}" dt="2024-10-31T13:49:38.804" v="383" actId="26606"/>
+          <ac:spMkLst>
+            <pc:docMk/>
+            <pc:sldMk cId="1242363924" sldId="265"/>
+            <ac:spMk id="31" creationId="{51DDD252-D7C8-4CE5-9C61-D60D722BC217}"/>
+          </ac:spMkLst>
+        </pc:spChg>
+        <pc:spChg chg="add del">
+          <ac:chgData name="Alessandro Varaldi" userId="8bb48bf9c967e633" providerId="LiveId" clId="{B53FE12C-FE11-48F8-B91A-469E56D69C71}" dt="2024-10-31T13:49:38.804" v="383" actId="26606"/>
+          <ac:spMkLst>
+            <pc:docMk/>
+            <pc:sldMk cId="1242363924" sldId="265"/>
+            <ac:spMk id="33" creationId="{2FBD75F5-C49C-4F6A-8D43-7A5939C23307}"/>
+          </ac:spMkLst>
+        </pc:spChg>
+        <pc:picChg chg="mod ord">
+          <ac:chgData name="Alessandro Varaldi" userId="8bb48bf9c967e633" providerId="LiveId" clId="{B53FE12C-FE11-48F8-B91A-469E56D69C71}" dt="2024-10-31T13:49:38.804" v="383" actId="26606"/>
+          <ac:picMkLst>
+            <pc:docMk/>
+            <pc:sldMk cId="1242363924" sldId="265"/>
+            <ac:picMk id="15" creationId="{51BADE7F-B7FA-650B-A837-B0416EAF6E4C}"/>
+          </ac:picMkLst>
+        </pc:picChg>
+        <pc:picChg chg="mod">
+          <ac:chgData name="Alessandro Varaldi" userId="8bb48bf9c967e633" providerId="LiveId" clId="{B53FE12C-FE11-48F8-B91A-469E56D69C71}" dt="2024-10-31T13:49:38.804" v="383" actId="26606"/>
+          <ac:picMkLst>
+            <pc:docMk/>
+            <pc:sldMk cId="1242363924" sldId="265"/>
+            <ac:picMk id="16" creationId="{7FF8368D-A613-8418-1A4E-BC11358F6DED}"/>
+          </ac:picMkLst>
+        </pc:picChg>
+        <pc:cxnChg chg="add del">
+          <ac:chgData name="Alessandro Varaldi" userId="8bb48bf9c967e633" providerId="LiveId" clId="{B53FE12C-FE11-48F8-B91A-469E56D69C71}" dt="2024-10-31T13:49:38.804" v="383" actId="26606"/>
+          <ac:cxnSpMkLst>
+            <pc:docMk/>
+            <pc:sldMk cId="1242363924" sldId="265"/>
+            <ac:cxnSpMk id="25" creationId="{52188B95-E375-4977-9E9C-E28CE956F6EB}"/>
+          </ac:cxnSpMkLst>
+        </pc:cxnChg>
+        <pc:cxnChg chg="add del">
+          <ac:chgData name="Alessandro Varaldi" userId="8bb48bf9c967e633" providerId="LiveId" clId="{B53FE12C-FE11-48F8-B91A-469E56D69C71}" dt="2024-10-31T13:49:38.804" v="383" actId="26606"/>
+          <ac:cxnSpMkLst>
+            <pc:docMk/>
+            <pc:sldMk cId="1242363924" sldId="265"/>
+            <ac:cxnSpMk id="29" creationId="{79FCC9A9-2031-4283-9B27-34B62BB7F305}"/>
+          </ac:cxnSpMkLst>
+        </pc:cxnChg>
+      </pc:sldChg>
+      <pc:sldChg chg="modSp mod ord">
+        <pc:chgData name="Alessandro Varaldi" userId="8bb48bf9c967e633" providerId="LiveId" clId="{B53FE12C-FE11-48F8-B91A-469E56D69C71}" dt="2024-10-31T09:26:40.811" v="353"/>
+        <pc:sldMkLst>
+          <pc:docMk/>
+          <pc:sldMk cId="235090547" sldId="267"/>
+        </pc:sldMkLst>
+        <pc:spChg chg="mod">
+          <ac:chgData name="Alessandro Varaldi" userId="8bb48bf9c967e633" providerId="LiveId" clId="{B53FE12C-FE11-48F8-B91A-469E56D69C71}" dt="2024-10-31T09:17:57.258" v="85" actId="20577"/>
+          <ac:spMkLst>
+            <pc:docMk/>
+            <pc:sldMk cId="235090547" sldId="267"/>
+            <ac:spMk id="2" creationId="{67731657-5741-3A86-598E-9B8CD3FD31B5}"/>
+          </ac:spMkLst>
+        </pc:spChg>
+        <pc:spChg chg="mod">
+          <ac:chgData name="Alessandro Varaldi" userId="8bb48bf9c967e633" providerId="LiveId" clId="{B53FE12C-FE11-48F8-B91A-469E56D69C71}" dt="2024-10-31T09:20:41.827" v="242" actId="20577"/>
+          <ac:spMkLst>
+            <pc:docMk/>
+            <pc:sldMk cId="235090547" sldId="267"/>
+            <ac:spMk id="3" creationId="{962501FA-0B58-8745-8025-F7BCFF217367}"/>
+          </ac:spMkLst>
+        </pc:spChg>
       </pc:sldChg>
     </pc:docChg>
   </pc:docChgLst>
@@ -1748,7 +2101,7 @@
           <a:p>
             <a:fld id="{35874DB7-651D-4534-989D-1D006BA76FBD}" type="datetimeFigureOut">
               <a:rPr lang="it-IT" smtClean="0"/>
-              <a:t>28/10/2024</a:t>
+              <a:t>31/10/2024</a:t>
             </a:fld>
             <a:endParaRPr lang="it-IT"/>
           </a:p>
@@ -1956,7 +2309,7 @@
           <a:p>
             <a:fld id="{35874DB7-651D-4534-989D-1D006BA76FBD}" type="datetimeFigureOut">
               <a:rPr lang="it-IT" smtClean="0"/>
-              <a:t>28/10/2024</a:t>
+              <a:t>31/10/2024</a:t>
             </a:fld>
             <a:endParaRPr lang="it-IT"/>
           </a:p>
@@ -2212,7 +2565,7 @@
           <a:p>
             <a:fld id="{35874DB7-651D-4534-989D-1D006BA76FBD}" type="datetimeFigureOut">
               <a:rPr lang="it-IT" smtClean="0"/>
-              <a:t>28/10/2024</a:t>
+              <a:t>31/10/2024</a:t>
             </a:fld>
             <a:endParaRPr lang="it-IT"/>
           </a:p>
@@ -2386,7 +2739,7 @@
           <a:p>
             <a:fld id="{35874DB7-651D-4534-989D-1D006BA76FBD}" type="datetimeFigureOut">
               <a:rPr lang="it-IT" smtClean="0"/>
-              <a:t>28/10/2024</a:t>
+              <a:t>31/10/2024</a:t>
             </a:fld>
             <a:endParaRPr lang="it-IT"/>
           </a:p>
@@ -2729,7 +3082,7 @@
           <a:p>
             <a:fld id="{35874DB7-651D-4534-989D-1D006BA76FBD}" type="datetimeFigureOut">
               <a:rPr lang="it-IT" smtClean="0"/>
-              <a:t>28/10/2024</a:t>
+              <a:t>31/10/2024</a:t>
             </a:fld>
             <a:endParaRPr lang="it-IT"/>
           </a:p>
@@ -3004,7 +3357,7 @@
           <a:p>
             <a:fld id="{35874DB7-651D-4534-989D-1D006BA76FBD}" type="datetimeFigureOut">
               <a:rPr lang="it-IT" smtClean="0"/>
-              <a:t>28/10/2024</a:t>
+              <a:t>31/10/2024</a:t>
             </a:fld>
             <a:endParaRPr lang="it-IT"/>
           </a:p>
@@ -3383,7 +3736,7 @@
           <a:p>
             <a:fld id="{35874DB7-651D-4534-989D-1D006BA76FBD}" type="datetimeFigureOut">
               <a:rPr lang="it-IT" smtClean="0"/>
-              <a:t>28/10/2024</a:t>
+              <a:t>31/10/2024</a:t>
             </a:fld>
             <a:endParaRPr lang="it-IT"/>
           </a:p>
@@ -3501,7 +3854,7 @@
           <a:p>
             <a:fld id="{35874DB7-651D-4534-989D-1D006BA76FBD}" type="datetimeFigureOut">
               <a:rPr lang="it-IT" smtClean="0"/>
-              <a:t>28/10/2024</a:t>
+              <a:t>31/10/2024</a:t>
             </a:fld>
             <a:endParaRPr lang="it-IT"/>
           </a:p>
@@ -3672,7 +4025,7 @@
           <a:p>
             <a:fld id="{35874DB7-651D-4534-989D-1D006BA76FBD}" type="datetimeFigureOut">
               <a:rPr lang="it-IT" smtClean="0"/>
-              <a:t>28/10/2024</a:t>
+              <a:t>31/10/2024</a:t>
             </a:fld>
             <a:endParaRPr lang="it-IT"/>
           </a:p>
@@ -4026,7 +4379,7 @@
           <a:p>
             <a:fld id="{35874DB7-651D-4534-989D-1D006BA76FBD}" type="datetimeFigureOut">
               <a:rPr lang="it-IT" smtClean="0"/>
-              <a:t>28/10/2024</a:t>
+              <a:t>31/10/2024</a:t>
             </a:fld>
             <a:endParaRPr lang="it-IT"/>
           </a:p>
@@ -4408,7 +4761,7 @@
           <a:p>
             <a:fld id="{35874DB7-651D-4534-989D-1D006BA76FBD}" type="datetimeFigureOut">
               <a:rPr lang="it-IT" smtClean="0"/>
-              <a:t>28/10/2024</a:t>
+              <a:t>31/10/2024</a:t>
             </a:fld>
             <a:endParaRPr lang="it-IT"/>
           </a:p>
@@ -4695,7 +5048,7 @@
           <a:p>
             <a:fld id="{35874DB7-651D-4534-989D-1D006BA76FBD}" type="datetimeFigureOut">
               <a:rPr lang="it-IT" smtClean="0"/>
-              <a:t>28/10/2024</a:t>
+              <a:t>31/10/2024</a:t>
             </a:fld>
             <a:endParaRPr lang="it-IT"/>
           </a:p>
@@ -5205,6 +5558,14 @@
 <file path=ppt/slides/slide1.xml><?xml version="1.0" encoding="utf-8"?>
 <p:sld xmlns:a="http://schemas.openxmlformats.org/drawingml/2006/main" xmlns:r="http://schemas.openxmlformats.org/officeDocument/2006/relationships" xmlns:p="http://schemas.openxmlformats.org/presentationml/2006/main">
   <p:cSld>
+    <p:bg>
+      <p:bgPr>
+        <a:solidFill>
+          <a:schemeClr val="bg1"/>
+        </a:solidFill>
+        <a:effectLst/>
+      </p:bgPr>
+    </p:bg>
     <p:spTree>
       <p:nvGrpSpPr>
         <p:cNvPr id="1" name=""/>
@@ -5219,6 +5580,66 @@
           <a:chExt cx="0" cy="0"/>
         </a:xfrm>
       </p:grpSpPr>
+      <p:sp useBgFill="1">
+        <p:nvSpPr>
+          <p:cNvPr id="8" name="Rectangle 7">
+            <a:extLst>
+              <a:ext uri="{FF2B5EF4-FFF2-40B4-BE49-F238E27FC236}">
+                <a16:creationId xmlns:a16="http://schemas.microsoft.com/office/drawing/2014/main" id="{8C6E698C-8155-4B8B-BDC9-B7299772B509}"/>
+              </a:ext>
+              <a:ext uri="{C183D7F6-B498-43B3-948B-1728B52AA6E4}">
+                <adec:decorative xmlns:adec="http://schemas.microsoft.com/office/drawing/2017/decorative" val="1"/>
+              </a:ext>
+            </a:extLst>
+          </p:cNvPr>
+          <p:cNvSpPr>
+            <a:spLocks noGrp="1" noRot="1" noChangeAspect="1" noMove="1" noResize="1" noEditPoints="1" noAdjustHandles="1" noChangeArrowheads="1" noChangeShapeType="1" noTextEdit="1"/>
+          </p:cNvSpPr>
+          <p:nvPr>
+            <p:extLst>
+              <p:ext uri="{386F3935-93C4-4BCD-93E2-E3B085C9AB24}">
+                <p16:designElem xmlns:p16="http://schemas.microsoft.com/office/powerpoint/2015/main" val="1"/>
+              </p:ext>
+            </p:extLst>
+          </p:nvPr>
+        </p:nvSpPr>
+        <p:spPr>
+          <a:xfrm>
+            <a:off x="0" y="0"/>
+            <a:ext cx="12188952" cy="6858000"/>
+          </a:xfrm>
+          <a:prstGeom prst="rect">
+            <a:avLst/>
+          </a:prstGeom>
+          <a:ln>
+            <a:noFill/>
+          </a:ln>
+        </p:spPr>
+        <p:style>
+          <a:lnRef idx="2">
+            <a:schemeClr val="accent1">
+              <a:shade val="50000"/>
+            </a:schemeClr>
+          </a:lnRef>
+          <a:fillRef idx="1">
+            <a:schemeClr val="accent1"/>
+          </a:fillRef>
+          <a:effectRef idx="0">
+            <a:schemeClr val="accent1"/>
+          </a:effectRef>
+          <a:fontRef idx="minor">
+            <a:schemeClr val="lt1"/>
+          </a:fontRef>
+        </p:style>
+        <p:txBody>
+          <a:bodyPr rtlCol="0" anchor="ctr"/>
+          <a:lstStyle/>
+          <a:p>
+            <a:pPr algn="ctr"/>
+            <a:endParaRPr lang="en-US"/>
+          </a:p>
+        </p:txBody>
+      </p:sp>
       <p:sp>
         <p:nvSpPr>
           <p:cNvPr id="2" name="Titolo 1">
@@ -5235,20 +5656,28 @@
             <p:ph type="ctrTitle"/>
           </p:nvPr>
         </p:nvSpPr>
-        <p:spPr/>
+        <p:spPr>
+          <a:xfrm>
+            <a:off x="965201" y="643467"/>
+            <a:ext cx="6255026" cy="5054008"/>
+          </a:xfrm>
+        </p:spPr>
         <p:txBody>
-          <a:bodyPr/>
+          <a:bodyPr anchor="ctr">
+            <a:normAutofit/>
+          </a:bodyPr>
           <a:lstStyle/>
           <a:p>
-            <a:r>
-              <a:rPr lang="it-IT"/>
+            <a:pPr algn="r"/>
+            <a:r>
+              <a:rPr lang="it-IT" sz="7400"/>
               <a:t>Parameterizable Dataflow Accelerator</a:t>
             </a:r>
             <a:br>
-              <a:rPr lang="it-IT"/>
+              <a:rPr lang="it-IT" sz="7400"/>
             </a:br>
             <a:r>
-              <a:rPr lang="it-IT"/>
+              <a:rPr lang="it-IT" sz="7400"/>
               <a:t>for LSTM DNNs</a:t>
             </a:r>
           </a:p>
@@ -5270,15 +5699,198 @@
             <p:ph type="subTitle" idx="1"/>
           </p:nvPr>
         </p:nvSpPr>
-        <p:spPr/>
+        <p:spPr>
+          <a:xfrm>
+            <a:off x="7870995" y="643467"/>
+            <a:ext cx="3341488" cy="5054008"/>
+          </a:xfrm>
+        </p:spPr>
+        <p:txBody>
+          <a:bodyPr anchor="ctr">
+            <a:normAutofit/>
+          </a:bodyPr>
+          <a:lstStyle/>
+          <a:p>
+            <a:r>
+              <a:rPr lang="it-IT"/>
+              <a:t>ALESSANDRO VARALDI</a:t>
+            </a:r>
+          </a:p>
+        </p:txBody>
+      </p:sp>
+      <p:cxnSp>
+        <p:nvCxnSpPr>
+          <p:cNvPr id="10" name="Straight Connector 9">
+            <a:extLst>
+              <a:ext uri="{FF2B5EF4-FFF2-40B4-BE49-F238E27FC236}">
+                <a16:creationId xmlns:a16="http://schemas.microsoft.com/office/drawing/2014/main" id="{09525C9A-1972-4836-BA7A-706C946EF4DA}"/>
+              </a:ext>
+              <a:ext uri="{C183D7F6-B498-43B3-948B-1728B52AA6E4}">
+                <adec:decorative xmlns:adec="http://schemas.microsoft.com/office/drawing/2017/decorative" val="1"/>
+              </a:ext>
+            </a:extLst>
+          </p:cNvPr>
+          <p:cNvCxnSpPr>
+            <a:cxnSpLocks noGrp="1" noRot="1" noChangeAspect="1" noMove="1" noResize="1" noEditPoints="1" noAdjustHandles="1" noChangeArrowheads="1" noChangeShapeType="1"/>
+          </p:cNvCxnSpPr>
+          <p:nvPr>
+            <p:extLst>
+              <p:ext uri="{386F3935-93C4-4BCD-93E2-E3B085C9AB24}">
+                <p16:designElem xmlns:p16="http://schemas.microsoft.com/office/powerpoint/2015/main" val="1"/>
+              </p:ext>
+            </p:extLst>
+          </p:nvPr>
+        </p:nvCxnSpPr>
+        <p:spPr>
+          <a:xfrm>
+            <a:off x="7534656" y="1391367"/>
+            <a:ext cx="0" cy="3558208"/>
+          </a:xfrm>
+          <a:prstGeom prst="line">
+            <a:avLst/>
+          </a:prstGeom>
+          <a:ln>
+            <a:solidFill>
+              <a:schemeClr val="tx2"/>
+            </a:solidFill>
+          </a:ln>
+        </p:spPr>
+        <p:style>
+          <a:lnRef idx="1">
+            <a:schemeClr val="accent1"/>
+          </a:lnRef>
+          <a:fillRef idx="0">
+            <a:schemeClr val="accent1"/>
+          </a:fillRef>
+          <a:effectRef idx="0">
+            <a:schemeClr val="accent1"/>
+          </a:effectRef>
+          <a:fontRef idx="minor">
+            <a:schemeClr val="tx1"/>
+          </a:fontRef>
+        </p:style>
+      </p:cxnSp>
+      <p:sp>
+        <p:nvSpPr>
+          <p:cNvPr id="12" name="Rectangle 11">
+            <a:extLst>
+              <a:ext uri="{FF2B5EF4-FFF2-40B4-BE49-F238E27FC236}">
+                <a16:creationId xmlns:a16="http://schemas.microsoft.com/office/drawing/2014/main" id="{8A549DE7-671D-4575-AF43-858FD99981CF}"/>
+              </a:ext>
+              <a:ext uri="{C183D7F6-B498-43B3-948B-1728B52AA6E4}">
+                <adec:decorative xmlns:adec="http://schemas.microsoft.com/office/drawing/2017/decorative" val="1"/>
+              </a:ext>
+            </a:extLst>
+          </p:cNvPr>
+          <p:cNvSpPr>
+            <a:spLocks noGrp="1" noRot="1" noChangeAspect="1" noMove="1" noResize="1" noEditPoints="1" noAdjustHandles="1" noChangeArrowheads="1" noChangeShapeType="1" noTextEdit="1"/>
+          </p:cNvSpPr>
+          <p:nvPr>
+            <p:extLst>
+              <p:ext uri="{386F3935-93C4-4BCD-93E2-E3B085C9AB24}">
+                <p16:designElem xmlns:p16="http://schemas.microsoft.com/office/powerpoint/2015/main" val="1"/>
+              </p:ext>
+            </p:extLst>
+          </p:nvPr>
+        </p:nvSpPr>
+        <p:spPr>
+          <a:xfrm>
+            <a:off x="3175" y="6400800"/>
+            <a:ext cx="12188825" cy="457200"/>
+          </a:xfrm>
+          <a:prstGeom prst="rect">
+            <a:avLst/>
+          </a:prstGeom>
+          <a:solidFill>
+            <a:schemeClr val="accent2"/>
+          </a:solidFill>
+          <a:ln>
+            <a:noFill/>
+          </a:ln>
+        </p:spPr>
+        <p:style>
+          <a:lnRef idx="2">
+            <a:schemeClr val="accent1">
+              <a:shade val="50000"/>
+            </a:schemeClr>
+          </a:lnRef>
+          <a:fillRef idx="1">
+            <a:schemeClr val="accent1"/>
+          </a:fillRef>
+          <a:effectRef idx="0">
+            <a:schemeClr val="accent1"/>
+          </a:effectRef>
+          <a:fontRef idx="minor">
+            <a:schemeClr val="lt1"/>
+          </a:fontRef>
+        </p:style>
         <p:txBody>
           <a:bodyPr/>
           <a:lstStyle/>
           <a:p>
-            <a:r>
-              <a:rPr lang="it-IT"/>
-              <a:t>ALESSANDRO VARALDI</a:t>
-            </a:r>
+            <a:endParaRPr lang="it-IT"/>
+          </a:p>
+        </p:txBody>
+      </p:sp>
+      <p:sp>
+        <p:nvSpPr>
+          <p:cNvPr id="14" name="Rectangle 13">
+            <a:extLst>
+              <a:ext uri="{FF2B5EF4-FFF2-40B4-BE49-F238E27FC236}">
+                <a16:creationId xmlns:a16="http://schemas.microsoft.com/office/drawing/2014/main" id="{C22D9B36-9BE7-472B-8808-7E0D6810738F}"/>
+              </a:ext>
+              <a:ext uri="{C183D7F6-B498-43B3-948B-1728B52AA6E4}">
+                <adec:decorative xmlns:adec="http://schemas.microsoft.com/office/drawing/2017/decorative" val="1"/>
+              </a:ext>
+            </a:extLst>
+          </p:cNvPr>
+          <p:cNvSpPr>
+            <a:spLocks noGrp="1" noRot="1" noChangeAspect="1" noMove="1" noResize="1" noEditPoints="1" noAdjustHandles="1" noChangeArrowheads="1" noChangeShapeType="1" noTextEdit="1"/>
+          </p:cNvSpPr>
+          <p:nvPr>
+            <p:extLst>
+              <p:ext uri="{386F3935-93C4-4BCD-93E2-E3B085C9AB24}">
+                <p16:designElem xmlns:p16="http://schemas.microsoft.com/office/powerpoint/2015/main" val="1"/>
+              </p:ext>
+            </p:extLst>
+          </p:nvPr>
+        </p:nvSpPr>
+        <p:spPr>
+          <a:xfrm>
+            <a:off x="15" y="6340942"/>
+            <a:ext cx="12188825" cy="64008"/>
+          </a:xfrm>
+          <a:prstGeom prst="rect">
+            <a:avLst/>
+          </a:prstGeom>
+          <a:solidFill>
+            <a:schemeClr val="accent1"/>
+          </a:solidFill>
+          <a:ln>
+            <a:noFill/>
+          </a:ln>
+        </p:spPr>
+        <p:style>
+          <a:lnRef idx="2">
+            <a:schemeClr val="accent1">
+              <a:shade val="50000"/>
+            </a:schemeClr>
+          </a:lnRef>
+          <a:fillRef idx="1">
+            <a:schemeClr val="accent1"/>
+          </a:fillRef>
+          <a:effectRef idx="0">
+            <a:schemeClr val="accent1"/>
+          </a:effectRef>
+          <a:fontRef idx="minor">
+            <a:schemeClr val="lt1"/>
+          </a:fontRef>
+        </p:style>
+        <p:txBody>
+          <a:bodyPr/>
+          <a:lstStyle/>
+          <a:p>
+            <a:endParaRPr lang="it-IT"/>
           </a:p>
         </p:txBody>
       </p:sp>
@@ -5292,6 +5904,145 @@
   <p:clrMapOvr>
     <a:masterClrMapping/>
   </p:clrMapOvr>
+  <p:timing>
+    <p:tnLst>
+      <p:par>
+        <p:cTn id="1" dur="indefinite" restart="never" nodeType="tmRoot">
+          <p:childTnLst>
+            <p:seq concurrent="1" nextAc="seek">
+              <p:cTn id="2" dur="indefinite" nodeType="mainSeq">
+                <p:childTnLst>
+                  <p:par>
+                    <p:cTn id="3" fill="hold">
+                      <p:stCondLst>
+                        <p:cond delay="indefinite"/>
+                        <p:cond evt="onBegin" delay="0">
+                          <p:tn val="2"/>
+                        </p:cond>
+                      </p:stCondLst>
+                      <p:childTnLst>
+                        <p:par>
+                          <p:cTn id="4" fill="hold">
+                            <p:stCondLst>
+                              <p:cond delay="0"/>
+                            </p:stCondLst>
+                            <p:childTnLst>
+                              <p:par>
+                                <p:cTn id="5" presetID="10" presetClass="entr" presetSubtype="0" fill="hold" grpId="0" nodeType="withEffect">
+                                  <p:stCondLst>
+                                    <p:cond delay="500"/>
+                                  </p:stCondLst>
+                                  <p:iterate type="lt">
+                                    <p:tmPct val="10000"/>
+                                  </p:iterate>
+                                  <p:childTnLst>
+                                    <p:set>
+                                      <p:cBhvr>
+                                        <p:cTn id="6" dur="1" fill="hold">
+                                          <p:stCondLst>
+                                            <p:cond delay="0"/>
+                                          </p:stCondLst>
+                                        </p:cTn>
+                                        <p:tgtEl>
+                                          <p:spTgt spid="2"/>
+                                        </p:tgtEl>
+                                        <p:attrNameLst>
+                                          <p:attrName>style.visibility</p:attrName>
+                                        </p:attrNameLst>
+                                      </p:cBhvr>
+                                      <p:to>
+                                        <p:strVal val="visible"/>
+                                      </p:to>
+                                    </p:set>
+                                    <p:animEffect transition="in" filter="fade">
+                                      <p:cBhvr>
+                                        <p:cTn id="7" dur="400"/>
+                                        <p:tgtEl>
+                                          <p:spTgt spid="2"/>
+                                        </p:tgtEl>
+                                      </p:cBhvr>
+                                    </p:animEffect>
+                                  </p:childTnLst>
+                                </p:cTn>
+                              </p:par>
+                              <p:par>
+                                <p:cTn id="8" presetID="10" presetClass="entr" presetSubtype="0" fill="hold" grpId="0" nodeType="withEffect">
+                                  <p:stCondLst>
+                                    <p:cond delay="2000"/>
+                                  </p:stCondLst>
+                                  <p:iterate type="lt">
+                                    <p:tmPct val="10000"/>
+                                  </p:iterate>
+                                  <p:childTnLst>
+                                    <p:set>
+                                      <p:cBhvr>
+                                        <p:cTn id="9" dur="1" fill="hold">
+                                          <p:stCondLst>
+                                            <p:cond delay="0"/>
+                                          </p:stCondLst>
+                                        </p:cTn>
+                                        <p:tgtEl>
+                                          <p:spTgt spid="3">
+                                            <p:txEl>
+                                              <p:pRg st="0" end="0"/>
+                                            </p:txEl>
+                                          </p:spTgt>
+                                        </p:tgtEl>
+                                        <p:attrNameLst>
+                                          <p:attrName>style.visibility</p:attrName>
+                                        </p:attrNameLst>
+                                      </p:cBhvr>
+                                      <p:to>
+                                        <p:strVal val="visible"/>
+                                      </p:to>
+                                    </p:set>
+                                    <p:animEffect transition="in" filter="fade">
+                                      <p:cBhvr>
+                                        <p:cTn id="10" dur="400"/>
+                                        <p:tgtEl>
+                                          <p:spTgt spid="3">
+                                            <p:txEl>
+                                              <p:pRg st="0" end="0"/>
+                                            </p:txEl>
+                                          </p:spTgt>
+                                        </p:tgtEl>
+                                      </p:cBhvr>
+                                    </p:animEffect>
+                                  </p:childTnLst>
+                                </p:cTn>
+                              </p:par>
+                            </p:childTnLst>
+                          </p:cTn>
+                        </p:par>
+                      </p:childTnLst>
+                    </p:cTn>
+                  </p:par>
+                </p:childTnLst>
+              </p:cTn>
+              <p:prevCondLst>
+                <p:cond evt="onPrev" delay="0">
+                  <p:tgtEl>
+                    <p:sldTgt/>
+                  </p:tgtEl>
+                </p:cond>
+              </p:prevCondLst>
+              <p:nextCondLst>
+                <p:cond evt="onNext" delay="0">
+                  <p:tgtEl>
+                    <p:sldTgt/>
+                  </p:tgtEl>
+                </p:cond>
+              </p:nextCondLst>
+            </p:seq>
+          </p:childTnLst>
+        </p:cTn>
+      </p:par>
+    </p:tnLst>
+    <p:bldLst>
+      <p:bldP spid="2" grpId="0"/>
+      <p:bldP spid="3" grpId="0" build="p"/>
+    </p:bldLst>
+  </p:timing>
 </p:sld>
 </file>
 
@@ -5377,7 +6128,7 @@
             </a:r>
             <a:r>
               <a:rPr lang="it-IT"/>
-              <a:t>: Design finalization (Parametric MAC unit and PWL Activation unit)</a:t>
+              <a:t>: Design finalization and implementation</a:t>
             </a:r>
           </a:p>
           <a:p>
@@ -5411,7 +6162,7 @@
             </a:r>
             <a:r>
               <a:rPr lang="it-IT"/>
-              <a:t>: Period in company</a:t>
+              <a:t>: Period in company / CGRA for temporal CNNs</a:t>
             </a:r>
           </a:p>
           <a:p>
@@ -5428,7 +6179,7 @@
             </a:r>
             <a:r>
               <a:rPr lang="it-IT"/>
-              <a:t>: Master’s thesis</a:t>
+              <a:t>: Master’s thesis supervision</a:t>
             </a:r>
           </a:p>
           <a:p>
@@ -5504,7 +6255,7 @@
           <a:p>
             <a:r>
               <a:rPr lang="it-IT"/>
-              <a:t>Possible future works</a:t>
+              <a:t>Future works</a:t>
             </a:r>
           </a:p>
         </p:txBody>
@@ -5527,46 +6278,73 @@
         </p:nvSpPr>
         <p:spPr/>
         <p:txBody>
-          <a:bodyPr/>
+          <a:bodyPr>
+            <a:normAutofit/>
+          </a:bodyPr>
           <a:lstStyle/>
           <a:p>
             <a:pPr>
+              <a:lnSpc>
+                <a:spcPct val="150000"/>
+              </a:lnSpc>
               <a:buFont typeface="Courier New" panose="02070309020205020404" pitchFamily="49" charset="0"/>
               <a:buChar char="o"/>
             </a:pPr>
             <a:r>
-              <a:rPr lang="it-IT"/>
-              <a:t> Mixed precision</a:t>
+              <a:rPr lang="it-IT" sz="2400"/>
+              <a:t> Interfacing and SoC integration</a:t>
             </a:r>
           </a:p>
           <a:p>
             <a:pPr>
+              <a:lnSpc>
+                <a:spcPct val="150000"/>
+              </a:lnSpc>
               <a:buFont typeface="Courier New" panose="02070309020205020404" pitchFamily="49" charset="0"/>
               <a:buChar char="o"/>
             </a:pPr>
             <a:r>
-              <a:rPr lang="it-IT"/>
-              <a:t> Interfacing and SoC integration</a:t>
+              <a:rPr lang="it-IT" sz="2400"/>
+              <a:t> Extensive validation with real data</a:t>
             </a:r>
           </a:p>
           <a:p>
             <a:pPr>
+              <a:lnSpc>
+                <a:spcPct val="150000"/>
+              </a:lnSpc>
               <a:buFont typeface="Courier New" panose="02070309020205020404" pitchFamily="49" charset="0"/>
               <a:buChar char="o"/>
             </a:pPr>
             <a:r>
-              <a:rPr lang="it-IT"/>
-              <a:t> Approximate computing</a:t>
+              <a:rPr lang="it-IT" sz="2400"/>
+              <a:t> (Optional) Alternative Activation unit design exploration</a:t>
             </a:r>
           </a:p>
           <a:p>
             <a:pPr>
+              <a:lnSpc>
+                <a:spcPct val="150000"/>
+              </a:lnSpc>
               <a:buFont typeface="Courier New" panose="02070309020205020404" pitchFamily="49" charset="0"/>
               <a:buChar char="o"/>
             </a:pPr>
             <a:r>
-              <a:rPr lang="it-IT"/>
-              <a:t> Address generator optimization</a:t>
+              <a:rPr lang="it-IT" sz="2400"/>
+              <a:t> (Optional) Mixed precision support</a:t>
+            </a:r>
+          </a:p>
+          <a:p>
+            <a:pPr>
+              <a:lnSpc>
+                <a:spcPct val="150000"/>
+              </a:lnSpc>
+              <a:buFont typeface="Courier New" panose="02070309020205020404" pitchFamily="49" charset="0"/>
+              <a:buChar char="o"/>
+            </a:pPr>
+            <a:r>
+              <a:rPr lang="it-IT" sz="2400"/>
+              <a:t> (Optional) Approximate computing</a:t>
             </a:r>
           </a:p>
         </p:txBody>
@@ -5628,7 +6406,7 @@
         <p:spPr>
           <a:xfrm>
             <a:off x="630936" y="457200"/>
-            <a:ext cx="4343400" cy="1929384"/>
+            <a:ext cx="6979232" cy="1929384"/>
           </a:xfrm>
         </p:spPr>
         <p:txBody>
@@ -5639,7 +6417,7 @@
           <a:p>
             <a:r>
               <a:rPr lang="en-US" sz="4800"/>
-              <a:t>LSTM networks</a:t>
+              <a:t>Complex LSTM networks</a:t>
             </a:r>
           </a:p>
         </p:txBody>
@@ -6027,14 +6805,14 @@
               <p:nvPr>
                 <p:extLst>
                   <p:ext uri="{D42A27DB-BD31-4B8C-83A1-F6EECF244321}">
-                    <p14:modId xmlns:p14="http://schemas.microsoft.com/office/powerpoint/2010/main" val="107614131"/>
+                    <p14:modId xmlns:p14="http://schemas.microsoft.com/office/powerpoint/2010/main" val="2607549512"/>
                   </p:ext>
                 </p:extLst>
               </p:nvPr>
             </p:nvGraphicFramePr>
             <p:xfrm>
-              <a:off x="6254496" y="2987226"/>
-              <a:ext cx="5468113" cy="3075253"/>
+              <a:off x="6254495" y="3037151"/>
+              <a:ext cx="5091932" cy="2469679"/>
             </p:xfrm>
             <a:graphic>
               <a:graphicData uri="http://schemas.openxmlformats.org/drawingml/2006/table">
@@ -6043,21 +6821,21 @@
                     <a:tableStyleId>{8799B23B-EC83-4686-B30A-512413B5E67A}</a:tableStyleId>
                   </a:tblPr>
                   <a:tblGrid>
-                    <a:gridCol w="1937483">
+                    <a:gridCol w="1804193">
                       <a:extLst>
                         <a:ext uri="{9D8B030D-6E8A-4147-A177-3AD203B41FA5}">
                           <a16:colId xmlns:a16="http://schemas.microsoft.com/office/drawing/2014/main" val="3587965598"/>
                         </a:ext>
                       </a:extLst>
                     </a:gridCol>
-                    <a:gridCol w="1744211">
+                    <a:gridCol w="1624217">
                       <a:extLst>
                         <a:ext uri="{9D8B030D-6E8A-4147-A177-3AD203B41FA5}">
                           <a16:colId xmlns:a16="http://schemas.microsoft.com/office/drawing/2014/main" val="350976996"/>
                         </a:ext>
                       </a:extLst>
                     </a:gridCol>
-                    <a:gridCol w="1786419">
+                    <a:gridCol w="1663522">
                       <a:extLst>
                         <a:ext uri="{9D8B030D-6E8A-4147-A177-3AD203B41FA5}">
                           <a16:colId xmlns:a16="http://schemas.microsoft.com/office/drawing/2014/main" val="2745262453"/>
@@ -6081,14 +6859,14 @@
                                 <m:sSub>
                                   <m:sSubPr>
                                     <m:ctrlPr>
-                                      <a:rPr lang="it-IT" sz="2500" i="1" smtClean="0">
+                                      <a:rPr lang="it-IT" sz="1800" i="1" smtClean="0">
                                         <a:latin typeface="Cambria Math" panose="02040503050406030204" pitchFamily="18" charset="0"/>
                                       </a:rPr>
                                     </m:ctrlPr>
                                   </m:sSubPr>
                                   <m:e>
                                     <m:r>
-                                      <a:rPr lang="it-IT" sz="2500">
+                                      <a:rPr lang="it-IT" sz="1800">
                                         <a:latin typeface="Cambria Math" panose="02040503050406030204" pitchFamily="18" charset="0"/>
                                       </a:rPr>
                                       <m:t>𝑛</m:t>
@@ -6096,7 +6874,7 @@
                                   </m:e>
                                   <m:sub>
                                     <m:r>
-                                      <a:rPr lang="it-IT" sz="2500">
+                                      <a:rPr lang="it-IT" sz="1800">
                                         <a:latin typeface="Cambria Math" panose="02040503050406030204" pitchFamily="18" charset="0"/>
                                       </a:rPr>
                                       <m:t>𝑖𝑛𝑝𝑢𝑡𝑠</m:t>
@@ -6106,7 +6884,7 @@
                               </m:oMath>
                             </m:oMathPara>
                           </a14:m>
-                          <a:endParaRPr lang="it-IT" sz="2500"/>
+                          <a:endParaRPr lang="it-IT" sz="1800"/>
                         </a:p>
                       </a:txBody>
                       <a:tcPr marL="126641" marR="126641" marT="63321" marB="63321"/>
@@ -6126,14 +6904,14 @@
                                 <m:sSub>
                                   <m:sSubPr>
                                     <m:ctrlPr>
-                                      <a:rPr lang="it-IT" sz="2500" i="1" smtClean="0">
+                                      <a:rPr lang="it-IT" sz="1800" i="1" smtClean="0">
                                         <a:latin typeface="Cambria Math" panose="02040503050406030204" pitchFamily="18" charset="0"/>
                                       </a:rPr>
                                     </m:ctrlPr>
                                   </m:sSubPr>
                                   <m:e>
                                     <m:r>
-                                      <a:rPr lang="it-IT" sz="2500">
+                                      <a:rPr lang="it-IT" sz="1800">
                                         <a:latin typeface="Cambria Math" panose="02040503050406030204" pitchFamily="18" charset="0"/>
                                       </a:rPr>
                                       <m:t>𝑛</m:t>
@@ -6141,7 +6919,7 @@
                                   </m:e>
                                   <m:sub>
                                     <m:r>
-                                      <a:rPr lang="it-IT" sz="2500">
+                                      <a:rPr lang="it-IT" sz="1800">
                                         <a:latin typeface="Cambria Math" panose="02040503050406030204" pitchFamily="18" charset="0"/>
                                       </a:rPr>
                                       <m:t>𝑐𝑒𝑙𝑙𝑠</m:t>
@@ -6151,7 +6929,7 @@
                               </m:oMath>
                             </m:oMathPara>
                           </a14:m>
-                          <a:endParaRPr lang="it-IT" sz="2500"/>
+                          <a:endParaRPr lang="it-IT" sz="1800"/>
                         </a:p>
                       </a:txBody>
                       <a:tcPr marL="126641" marR="126641" marT="63321" marB="63321"/>
@@ -6163,8 +6941,8 @@
                         <a:p>
                           <a:pPr algn="l"/>
                           <a:r>
-                            <a:rPr lang="it-IT" sz="2000" b="0"/>
-                            <a:t>W matrix</a:t>
+                            <a:rPr lang="it-IT" sz="1800" b="0"/>
+                            <a:t>W matrix dim.</a:t>
                           </a:r>
                         </a:p>
                       </a:txBody>
@@ -6183,7 +6961,7 @@
                         <a:lstStyle/>
                         <a:p>
                           <a:r>
-                            <a:rPr lang="it-IT" sz="2500"/>
+                            <a:rPr lang="it-IT" sz="1800"/>
                             <a:t>1</a:t>
                           </a:r>
                         </a:p>
@@ -6196,7 +6974,7 @@
                         <a:lstStyle/>
                         <a:p>
                           <a:r>
-                            <a:rPr lang="it-IT" sz="2500"/>
+                            <a:rPr lang="it-IT" sz="1800"/>
                             <a:t>1</a:t>
                           </a:r>
                         </a:p>
@@ -6209,7 +6987,7 @@
                         <a:lstStyle/>
                         <a:p>
                           <a:r>
-                            <a:rPr lang="it-IT" sz="2500"/>
+                            <a:rPr lang="it-IT" sz="1800"/>
                             <a:t>2x4</a:t>
                           </a:r>
                         </a:p>
@@ -6229,7 +7007,7 @@
                         <a:lstStyle/>
                         <a:p>
                           <a:r>
-                            <a:rPr lang="it-IT" sz="2500"/>
+                            <a:rPr lang="it-IT" sz="1800"/>
                             <a:t>2</a:t>
                           </a:r>
                         </a:p>
@@ -6242,7 +7020,7 @@
                         <a:lstStyle/>
                         <a:p>
                           <a:r>
-                            <a:rPr lang="it-IT" sz="2500"/>
+                            <a:rPr lang="it-IT" sz="1800"/>
                             <a:t>1</a:t>
                           </a:r>
                         </a:p>
@@ -6255,7 +7033,7 @@
                         <a:lstStyle/>
                         <a:p>
                           <a:r>
-                            <a:rPr lang="it-IT" sz="2500"/>
+                            <a:rPr lang="it-IT" sz="1800"/>
                             <a:t>3x4</a:t>
                           </a:r>
                         </a:p>
@@ -6275,7 +7053,7 @@
                         <a:lstStyle/>
                         <a:p>
                           <a:r>
-                            <a:rPr lang="it-IT" sz="2500"/>
+                            <a:rPr lang="it-IT" sz="1800"/>
                             <a:t>4</a:t>
                           </a:r>
                         </a:p>
@@ -6288,7 +7066,7 @@
                         <a:lstStyle/>
                         <a:p>
                           <a:r>
-                            <a:rPr lang="it-IT" sz="2500"/>
+                            <a:rPr lang="it-IT" sz="1800"/>
                             <a:t>2</a:t>
                           </a:r>
                         </a:p>
@@ -6301,7 +7079,7 @@
                         <a:lstStyle/>
                         <a:p>
                           <a:r>
-                            <a:rPr lang="it-IT" sz="2500"/>
+                            <a:rPr lang="it-IT" sz="1800"/>
                             <a:t>6x8</a:t>
                           </a:r>
                         </a:p>
@@ -6321,7 +7099,7 @@
                         <a:lstStyle/>
                         <a:p>
                           <a:r>
-                            <a:rPr lang="it-IT" sz="2500"/>
+                            <a:rPr lang="it-IT" sz="1800"/>
                             <a:t>5</a:t>
                           </a:r>
                         </a:p>
@@ -6334,7 +7112,7 @@
                         <a:lstStyle/>
                         <a:p>
                           <a:r>
-                            <a:rPr lang="it-IT" sz="2500"/>
+                            <a:rPr lang="it-IT" sz="1800"/>
                             <a:t>3</a:t>
                           </a:r>
                         </a:p>
@@ -6347,7 +7125,7 @@
                         <a:lstStyle/>
                         <a:p>
                           <a:r>
-                            <a:rPr lang="it-IT" sz="2500"/>
+                            <a:rPr lang="it-IT" sz="1800"/>
                             <a:t>8x12</a:t>
                           </a:r>
                         </a:p>
@@ -6367,7 +7145,7 @@
                         <a:lstStyle/>
                         <a:p>
                           <a:r>
-                            <a:rPr lang="it-IT" sz="2500"/>
+                            <a:rPr lang="it-IT" sz="1800"/>
                             <a:t>10</a:t>
                           </a:r>
                         </a:p>
@@ -6380,7 +7158,7 @@
                         <a:lstStyle/>
                         <a:p>
                           <a:r>
-                            <a:rPr lang="it-IT" sz="2500"/>
+                            <a:rPr lang="it-IT" sz="1800"/>
                             <a:t>4</a:t>
                           </a:r>
                         </a:p>
@@ -6393,7 +7171,7 @@
                         <a:lstStyle/>
                         <a:p>
                           <a:r>
-                            <a:rPr lang="it-IT" sz="2500"/>
+                            <a:rPr lang="it-IT" sz="1800"/>
                             <a:t>14x16</a:t>
                           </a:r>
                         </a:p>
@@ -6427,14 +7205,14 @@
               <p:nvPr>
                 <p:extLst>
                   <p:ext uri="{D42A27DB-BD31-4B8C-83A1-F6EECF244321}">
-                    <p14:modId xmlns:p14="http://schemas.microsoft.com/office/powerpoint/2010/main" val="107614131"/>
+                    <p14:modId xmlns:p14="http://schemas.microsoft.com/office/powerpoint/2010/main" val="2607549512"/>
                   </p:ext>
                 </p:extLst>
               </p:nvPr>
             </p:nvGraphicFramePr>
             <p:xfrm>
-              <a:off x="6254496" y="2987226"/>
-              <a:ext cx="5468113" cy="3075253"/>
+              <a:off x="6254495" y="3037151"/>
+              <a:ext cx="5091932" cy="2469679"/>
             </p:xfrm>
             <a:graphic>
               <a:graphicData uri="http://schemas.openxmlformats.org/drawingml/2006/table">
@@ -6443,21 +7221,21 @@
                     <a:tableStyleId>{8799B23B-EC83-4686-B30A-512413B5E67A}</a:tableStyleId>
                   </a:tblPr>
                   <a:tblGrid>
-                    <a:gridCol w="1937483">
+                    <a:gridCol w="1804193">
                       <a:extLst>
                         <a:ext uri="{9D8B030D-6E8A-4147-A177-3AD203B41FA5}">
                           <a16:colId xmlns:a16="http://schemas.microsoft.com/office/drawing/2014/main" val="3587965598"/>
                         </a:ext>
                       </a:extLst>
                     </a:gridCol>
-                    <a:gridCol w="1744211">
+                    <a:gridCol w="1624217">
                       <a:extLst>
                         <a:ext uri="{9D8B030D-6E8A-4147-A177-3AD203B41FA5}">
                           <a16:colId xmlns:a16="http://schemas.microsoft.com/office/drawing/2014/main" val="350976996"/>
                         </a:ext>
                       </a:extLst>
                     </a:gridCol>
-                    <a:gridCol w="1786419">
+                    <a:gridCol w="1663522">
                       <a:extLst>
                         <a:ext uri="{9D8B030D-6E8A-4147-A177-3AD203B41FA5}">
                           <a16:colId xmlns:a16="http://schemas.microsoft.com/office/drawing/2014/main" val="2745262453"/>
@@ -6465,7 +7243,7 @@
                       </a:extLst>
                     </a:gridCol>
                   </a:tblGrid>
-                  <a:tr h="537043">
+                  <a:tr h="431289">
                     <a:tc>
                       <a:txBody>
                         <a:bodyPr/>
@@ -6478,7 +7256,7 @@
                         <a:blipFill>
                           <a:blip r:embed="rId4"/>
                           <a:stretch>
-                            <a:fillRect l="-629" t="-2273" r="-183333" b="-497727"/>
+                            <a:fillRect l="-337" t="-1408" r="-182828" b="-487324"/>
                           </a:stretch>
                         </a:blipFill>
                       </a:tcPr>
@@ -6495,7 +7273,7 @@
                         <a:blipFill>
                           <a:blip r:embed="rId4"/>
                           <a:stretch>
-                            <a:fillRect l="-111498" t="-2273" r="-103136" b="-497727"/>
+                            <a:fillRect l="-111610" t="-1408" r="-103371" b="-487324"/>
                           </a:stretch>
                         </a:blipFill>
                       </a:tcPr>
@@ -6507,8 +7285,8 @@
                         <a:p>
                           <a:pPr algn="l"/>
                           <a:r>
-                            <a:rPr lang="it-IT" sz="2000" b="0"/>
-                            <a:t>W matrix</a:t>
+                            <a:rPr lang="it-IT" sz="1800" b="0"/>
+                            <a:t>W matrix dim.</a:t>
                           </a:r>
                         </a:p>
                       </a:txBody>
@@ -6520,14 +7298,14 @@
                       </a:ext>
                     </a:extLst>
                   </a:tr>
-                  <a:tr h="507642">
+                  <a:tr h="407678">
                     <a:tc>
                       <a:txBody>
                         <a:bodyPr/>
                         <a:lstStyle/>
                         <a:p>
                           <a:r>
-                            <a:rPr lang="it-IT" sz="2500"/>
+                            <a:rPr lang="it-IT" sz="1800"/>
                             <a:t>1</a:t>
                           </a:r>
                         </a:p>
@@ -6540,7 +7318,7 @@
                         <a:lstStyle/>
                         <a:p>
                           <a:r>
-                            <a:rPr lang="it-IT" sz="2500"/>
+                            <a:rPr lang="it-IT" sz="1800"/>
                             <a:t>1</a:t>
                           </a:r>
                         </a:p>
@@ -6553,7 +7331,7 @@
                         <a:lstStyle/>
                         <a:p>
                           <a:r>
-                            <a:rPr lang="it-IT" sz="2500"/>
+                            <a:rPr lang="it-IT" sz="1800"/>
                             <a:t>2x4</a:t>
                           </a:r>
                         </a:p>
@@ -6566,14 +7344,14 @@
                       </a:ext>
                     </a:extLst>
                   </a:tr>
-                  <a:tr h="507642">
+                  <a:tr h="407678">
                     <a:tc>
                       <a:txBody>
                         <a:bodyPr/>
                         <a:lstStyle/>
                         <a:p>
                           <a:r>
-                            <a:rPr lang="it-IT" sz="2500"/>
+                            <a:rPr lang="it-IT" sz="1800"/>
                             <a:t>2</a:t>
                           </a:r>
                         </a:p>
@@ -6586,7 +7364,7 @@
                         <a:lstStyle/>
                         <a:p>
                           <a:r>
-                            <a:rPr lang="it-IT" sz="2500"/>
+                            <a:rPr lang="it-IT" sz="1800"/>
                             <a:t>1</a:t>
                           </a:r>
                         </a:p>
@@ -6599,7 +7377,7 @@
                         <a:lstStyle/>
                         <a:p>
                           <a:r>
-                            <a:rPr lang="it-IT" sz="2500"/>
+                            <a:rPr lang="it-IT" sz="1800"/>
                             <a:t>3x4</a:t>
                           </a:r>
                         </a:p>
@@ -6612,14 +7390,14 @@
                       </a:ext>
                     </a:extLst>
                   </a:tr>
-                  <a:tr h="507642">
+                  <a:tr h="407678">
                     <a:tc>
                       <a:txBody>
                         <a:bodyPr/>
                         <a:lstStyle/>
                         <a:p>
                           <a:r>
-                            <a:rPr lang="it-IT" sz="2500"/>
+                            <a:rPr lang="it-IT" sz="1800"/>
                             <a:t>4</a:t>
                           </a:r>
                         </a:p>
@@ -6632,7 +7410,7 @@
                         <a:lstStyle/>
                         <a:p>
                           <a:r>
-                            <a:rPr lang="it-IT" sz="2500"/>
+                            <a:rPr lang="it-IT" sz="1800"/>
                             <a:t>2</a:t>
                           </a:r>
                         </a:p>
@@ -6645,7 +7423,7 @@
                         <a:lstStyle/>
                         <a:p>
                           <a:r>
-                            <a:rPr lang="it-IT" sz="2500"/>
+                            <a:rPr lang="it-IT" sz="1800"/>
                             <a:t>6x8</a:t>
                           </a:r>
                         </a:p>
@@ -6658,14 +7436,14 @@
                       </a:ext>
                     </a:extLst>
                   </a:tr>
-                  <a:tr h="507642">
+                  <a:tr h="407678">
                     <a:tc>
                       <a:txBody>
                         <a:bodyPr/>
                         <a:lstStyle/>
                         <a:p>
                           <a:r>
-                            <a:rPr lang="it-IT" sz="2500"/>
+                            <a:rPr lang="it-IT" sz="1800"/>
                             <a:t>5</a:t>
                           </a:r>
                         </a:p>
@@ -6678,7 +7456,7 @@
                         <a:lstStyle/>
                         <a:p>
                           <a:r>
-                            <a:rPr lang="it-IT" sz="2500"/>
+                            <a:rPr lang="it-IT" sz="1800"/>
                             <a:t>3</a:t>
                           </a:r>
                         </a:p>
@@ -6691,7 +7469,7 @@
                         <a:lstStyle/>
                         <a:p>
                           <a:r>
-                            <a:rPr lang="it-IT" sz="2500"/>
+                            <a:rPr lang="it-IT" sz="1800"/>
                             <a:t>8x12</a:t>
                           </a:r>
                         </a:p>
@@ -6704,14 +7482,14 @@
                       </a:ext>
                     </a:extLst>
                   </a:tr>
-                  <a:tr h="507642">
+                  <a:tr h="407678">
                     <a:tc>
                       <a:txBody>
                         <a:bodyPr/>
                         <a:lstStyle/>
                         <a:p>
                           <a:r>
-                            <a:rPr lang="it-IT" sz="2500"/>
+                            <a:rPr lang="it-IT" sz="1800"/>
                             <a:t>10</a:t>
                           </a:r>
                         </a:p>
@@ -6724,7 +7502,7 @@
                         <a:lstStyle/>
                         <a:p>
                           <a:r>
-                            <a:rPr lang="it-IT" sz="2500"/>
+                            <a:rPr lang="it-IT" sz="1800"/>
                             <a:t>4</a:t>
                           </a:r>
                         </a:p>
@@ -6737,7 +7515,7 @@
                         <a:lstStyle/>
                         <a:p>
                           <a:r>
-                            <a:rPr lang="it-IT" sz="2500"/>
+                            <a:rPr lang="it-IT" sz="1800"/>
                             <a:t>14x16</a:t>
                           </a:r>
                         </a:p>
@@ -7246,7 +8024,7 @@
         </p:nvSpPr>
         <p:spPr>
           <a:xfrm>
-            <a:off x="4277684" y="5753130"/>
+            <a:off x="1537599" y="5753129"/>
             <a:ext cx="1692451" cy="369332"/>
           </a:xfrm>
           <a:prstGeom prst="rect">
@@ -7318,6 +8096,205 @@
           </a:xfrm>
         </p:spPr>
       </p:pic>
+      <p:sp>
+        <p:nvSpPr>
+          <p:cNvPr id="5" name="TextBox 4">
+            <a:extLst>
+              <a:ext uri="{FF2B5EF4-FFF2-40B4-BE49-F238E27FC236}">
+                <a16:creationId xmlns:a16="http://schemas.microsoft.com/office/drawing/2014/main" id="{A63FC887-881C-C172-20C4-B74A6C5D52E7}"/>
+              </a:ext>
+            </a:extLst>
+          </p:cNvPr>
+          <p:cNvSpPr txBox="1"/>
+          <p:nvPr/>
+        </p:nvSpPr>
+        <p:spPr>
+          <a:xfrm>
+            <a:off x="715899" y="3658701"/>
+            <a:ext cx="902811" cy="369332"/>
+          </a:xfrm>
+          <a:prstGeom prst="rect">
+            <a:avLst/>
+          </a:prstGeom>
+          <a:noFill/>
+        </p:spPr>
+        <p:txBody>
+          <a:bodyPr wrap="none" rtlCol="0">
+            <a:spAutoFit/>
+          </a:bodyPr>
+          <a:lstStyle/>
+          <a:p>
+            <a:r>
+              <a:rPr lang="it-IT"/>
+              <a:t>input(t)</a:t>
+            </a:r>
+          </a:p>
+        </p:txBody>
+      </p:sp>
+      <p:sp>
+        <p:nvSpPr>
+          <p:cNvPr id="6" name="TextBox 5">
+            <a:extLst>
+              <a:ext uri="{FF2B5EF4-FFF2-40B4-BE49-F238E27FC236}">
+                <a16:creationId xmlns:a16="http://schemas.microsoft.com/office/drawing/2014/main" id="{0BAB3F20-59B6-4BBB-3E5C-0E19E4B60B3E}"/>
+              </a:ext>
+            </a:extLst>
+          </p:cNvPr>
+          <p:cNvSpPr txBox="1"/>
+          <p:nvPr/>
+        </p:nvSpPr>
+        <p:spPr>
+          <a:xfrm>
+            <a:off x="715899" y="4640825"/>
+            <a:ext cx="821700" cy="646331"/>
+          </a:xfrm>
+          <a:prstGeom prst="rect">
+            <a:avLst/>
+          </a:prstGeom>
+          <a:noFill/>
+        </p:spPr>
+        <p:txBody>
+          <a:bodyPr wrap="none" rtlCol="0">
+            <a:spAutoFit/>
+          </a:bodyPr>
+          <a:lstStyle/>
+          <a:p>
+            <a:pPr algn="ctr"/>
+            <a:r>
+              <a:rPr lang="it-IT"/>
+              <a:t>weight</a:t>
+            </a:r>
+          </a:p>
+          <a:p>
+            <a:pPr algn="ctr"/>
+            <a:r>
+              <a:rPr lang="it-IT"/>
+              <a:t>vector</a:t>
+            </a:r>
+          </a:p>
+        </p:txBody>
+      </p:sp>
+      <p:sp>
+        <p:nvSpPr>
+          <p:cNvPr id="7" name="TextBox 6">
+            <a:extLst>
+              <a:ext uri="{FF2B5EF4-FFF2-40B4-BE49-F238E27FC236}">
+                <a16:creationId xmlns:a16="http://schemas.microsoft.com/office/drawing/2014/main" id="{2CEC29BE-05AD-4BCC-5685-2FC2AC8FCDE9}"/>
+              </a:ext>
+            </a:extLst>
+          </p:cNvPr>
+          <p:cNvSpPr txBox="1"/>
+          <p:nvPr/>
+        </p:nvSpPr>
+        <p:spPr>
+          <a:xfrm>
+            <a:off x="667135" y="2026986"/>
+            <a:ext cx="911019" cy="646331"/>
+          </a:xfrm>
+          <a:prstGeom prst="rect">
+            <a:avLst/>
+          </a:prstGeom>
+          <a:noFill/>
+        </p:spPr>
+        <p:txBody>
+          <a:bodyPr wrap="none" rtlCol="0">
+            <a:spAutoFit/>
+          </a:bodyPr>
+          <a:lstStyle/>
+          <a:p>
+            <a:pPr algn="ctr"/>
+            <a:r>
+              <a:rPr lang="it-IT"/>
+              <a:t>weight</a:t>
+            </a:r>
+          </a:p>
+          <a:p>
+            <a:pPr algn="ctr"/>
+            <a:r>
+              <a:rPr lang="it-IT"/>
+              <a:t>address</a:t>
+            </a:r>
+          </a:p>
+        </p:txBody>
+      </p:sp>
+      <p:sp>
+        <p:nvSpPr>
+          <p:cNvPr id="8" name="TextBox 7">
+            <a:extLst>
+              <a:ext uri="{FF2B5EF4-FFF2-40B4-BE49-F238E27FC236}">
+                <a16:creationId xmlns:a16="http://schemas.microsoft.com/office/drawing/2014/main" id="{8288E3F0-DB4C-4D7A-1C62-15DFD5267C27}"/>
+              </a:ext>
+            </a:extLst>
+          </p:cNvPr>
+          <p:cNvSpPr txBox="1"/>
+          <p:nvPr/>
+        </p:nvSpPr>
+        <p:spPr>
+          <a:xfrm>
+            <a:off x="2015645" y="2595716"/>
+            <a:ext cx="930639" cy="646331"/>
+          </a:xfrm>
+          <a:prstGeom prst="rect">
+            <a:avLst/>
+          </a:prstGeom>
+          <a:noFill/>
+        </p:spPr>
+        <p:txBody>
+          <a:bodyPr wrap="none" rtlCol="0">
+            <a:spAutoFit/>
+          </a:bodyPr>
+          <a:lstStyle/>
+          <a:p>
+            <a:pPr algn="ctr"/>
+            <a:r>
+              <a:rPr lang="it-IT"/>
+              <a:t>control </a:t>
+            </a:r>
+          </a:p>
+          <a:p>
+            <a:pPr algn="ctr"/>
+            <a:r>
+              <a:rPr lang="it-IT"/>
+              <a:t>signals</a:t>
+            </a:r>
+          </a:p>
+        </p:txBody>
+      </p:sp>
+      <p:sp>
+        <p:nvSpPr>
+          <p:cNvPr id="10" name="TextBox 9">
+            <a:extLst>
+              <a:ext uri="{FF2B5EF4-FFF2-40B4-BE49-F238E27FC236}">
+                <a16:creationId xmlns:a16="http://schemas.microsoft.com/office/drawing/2014/main" id="{6BBCBFC5-582B-A3ED-00AD-8B39CCB59645}"/>
+              </a:ext>
+            </a:extLst>
+          </p:cNvPr>
+          <p:cNvSpPr txBox="1"/>
+          <p:nvPr/>
+        </p:nvSpPr>
+        <p:spPr>
+          <a:xfrm>
+            <a:off x="7992250" y="3474035"/>
+            <a:ext cx="825867" cy="369332"/>
+          </a:xfrm>
+          <a:prstGeom prst="rect">
+            <a:avLst/>
+          </a:prstGeom>
+          <a:noFill/>
+        </p:spPr>
+        <p:txBody>
+          <a:bodyPr wrap="none" rtlCol="0">
+            <a:spAutoFit/>
+          </a:bodyPr>
+          <a:lstStyle/>
+          <a:p>
+            <a:r>
+              <a:rPr lang="it-IT"/>
+              <a:t>output</a:t>
+            </a:r>
+          </a:p>
+        </p:txBody>
+      </p:sp>
     </p:spTree>
     <p:extLst>
       <p:ext uri="{BB962C8B-B14F-4D97-AF65-F5344CB8AC3E}">
